--- a/最菜文档/开题报告.pptx
+++ b/最菜文档/开题报告.pptx
@@ -10,7 +10,9 @@
     <p:sldId id="258" r:id="rId4"/>
     <p:sldId id="259" r:id="rId5"/>
     <p:sldId id="260" r:id="rId6"/>
-    <p:sldId id="261" r:id="rId7"/>
+    <p:sldId id="263" r:id="rId7"/>
+    <p:sldId id="264" r:id="rId8"/>
+    <p:sldId id="262" r:id="rId9"/>
   </p:sldIdLst>
   <p:sldSz cx="12192000" cy="6858000"/>
   <p:notesSz cx="6858000" cy="9144000"/>
@@ -109,6 +111,11 @@
       </a:defRPr>
     </a:lvl9pPr>
   </p:defaultTextStyle>
+  <p:extLst>
+    <p:ext uri="{EFAFB233-063F-42B5-8137-9DF3F51BA10A}">
+      <p15:sldGuideLst xmlns:p15="http://schemas.microsoft.com/office/powerpoint/2012/main"/>
+    </p:ext>
+  </p:extLst>
 </p:presentation>
 </file>
 
@@ -259,7 +266,7 @@
           <a:p>
             <a:fld id="{207908CD-6E4E-4FC3-A40E-847031E896A9}" type="datetimeFigureOut">
               <a:rPr lang="zh-CN" altLang="en-US" smtClean="0"/>
-              <a:t>2019/11/11</a:t>
+              <a:t>2019/11/19</a:t>
             </a:fld>
             <a:endParaRPr lang="zh-CN" altLang="en-US"/>
           </a:p>
@@ -457,7 +464,7 @@
           <a:p>
             <a:fld id="{207908CD-6E4E-4FC3-A40E-847031E896A9}" type="datetimeFigureOut">
               <a:rPr lang="zh-CN" altLang="en-US" smtClean="0"/>
-              <a:t>2019/11/11</a:t>
+              <a:t>2019/11/19</a:t>
             </a:fld>
             <a:endParaRPr lang="zh-CN" altLang="en-US"/>
           </a:p>
@@ -665,7 +672,7 @@
           <a:p>
             <a:fld id="{207908CD-6E4E-4FC3-A40E-847031E896A9}" type="datetimeFigureOut">
               <a:rPr lang="zh-CN" altLang="en-US" smtClean="0"/>
-              <a:t>2019/11/11</a:t>
+              <a:t>2019/11/19</a:t>
             </a:fld>
             <a:endParaRPr lang="zh-CN" altLang="en-US"/>
           </a:p>
@@ -863,7 +870,7 @@
           <a:p>
             <a:fld id="{207908CD-6E4E-4FC3-A40E-847031E896A9}" type="datetimeFigureOut">
               <a:rPr lang="zh-CN" altLang="en-US" smtClean="0"/>
-              <a:t>2019/11/11</a:t>
+              <a:t>2019/11/19</a:t>
             </a:fld>
             <a:endParaRPr lang="zh-CN" altLang="en-US"/>
           </a:p>
@@ -1138,7 +1145,7 @@
           <a:p>
             <a:fld id="{207908CD-6E4E-4FC3-A40E-847031E896A9}" type="datetimeFigureOut">
               <a:rPr lang="zh-CN" altLang="en-US" smtClean="0"/>
-              <a:t>2019/11/11</a:t>
+              <a:t>2019/11/19</a:t>
             </a:fld>
             <a:endParaRPr lang="zh-CN" altLang="en-US"/>
           </a:p>
@@ -1403,7 +1410,7 @@
           <a:p>
             <a:fld id="{207908CD-6E4E-4FC3-A40E-847031E896A9}" type="datetimeFigureOut">
               <a:rPr lang="zh-CN" altLang="en-US" smtClean="0"/>
-              <a:t>2019/11/11</a:t>
+              <a:t>2019/11/19</a:t>
             </a:fld>
             <a:endParaRPr lang="zh-CN" altLang="en-US"/>
           </a:p>
@@ -1815,7 +1822,7 @@
           <a:p>
             <a:fld id="{207908CD-6E4E-4FC3-A40E-847031E896A9}" type="datetimeFigureOut">
               <a:rPr lang="zh-CN" altLang="en-US" smtClean="0"/>
-              <a:t>2019/11/11</a:t>
+              <a:t>2019/11/19</a:t>
             </a:fld>
             <a:endParaRPr lang="zh-CN" altLang="en-US"/>
           </a:p>
@@ -1956,7 +1963,7 @@
           <a:p>
             <a:fld id="{207908CD-6E4E-4FC3-A40E-847031E896A9}" type="datetimeFigureOut">
               <a:rPr lang="zh-CN" altLang="en-US" smtClean="0"/>
-              <a:t>2019/11/11</a:t>
+              <a:t>2019/11/19</a:t>
             </a:fld>
             <a:endParaRPr lang="zh-CN" altLang="en-US"/>
           </a:p>
@@ -2069,7 +2076,7 @@
           <a:p>
             <a:fld id="{207908CD-6E4E-4FC3-A40E-847031E896A9}" type="datetimeFigureOut">
               <a:rPr lang="zh-CN" altLang="en-US" smtClean="0"/>
-              <a:t>2019/11/11</a:t>
+              <a:t>2019/11/19</a:t>
             </a:fld>
             <a:endParaRPr lang="zh-CN" altLang="en-US"/>
           </a:p>
@@ -2380,7 +2387,7 @@
           <a:p>
             <a:fld id="{207908CD-6E4E-4FC3-A40E-847031E896A9}" type="datetimeFigureOut">
               <a:rPr lang="zh-CN" altLang="en-US" smtClean="0"/>
-              <a:t>2019/11/11</a:t>
+              <a:t>2019/11/19</a:t>
             </a:fld>
             <a:endParaRPr lang="zh-CN" altLang="en-US"/>
           </a:p>
@@ -2668,7 +2675,7 @@
           <a:p>
             <a:fld id="{207908CD-6E4E-4FC3-A40E-847031E896A9}" type="datetimeFigureOut">
               <a:rPr lang="zh-CN" altLang="en-US" smtClean="0"/>
-              <a:t>2019/11/11</a:t>
+              <a:t>2019/11/19</a:t>
             </a:fld>
             <a:endParaRPr lang="zh-CN" altLang="en-US"/>
           </a:p>
@@ -2909,7 +2916,7 @@
           <a:p>
             <a:fld id="{207908CD-6E4E-4FC3-A40E-847031E896A9}" type="datetimeFigureOut">
               <a:rPr lang="zh-CN" altLang="en-US" smtClean="0"/>
-              <a:t>2019/11/11</a:t>
+              <a:t>2019/11/19</a:t>
             </a:fld>
             <a:endParaRPr lang="zh-CN" altLang="en-US"/>
           </a:p>
@@ -3418,7 +3425,7 @@
           <a:graphicData uri="http://schemas.openxmlformats.org/presentationml/2006/ole">
             <mc:AlternateContent xmlns:mc="http://schemas.openxmlformats.org/markup-compatibility/2006">
               <mc:Choice xmlns:v="urn:schemas-microsoft-com:vml" Requires="v">
-                <p:oleObj spid="_x0000_s1078" name="Document" r:id="rId3" imgW="5274753" imgH="198007" progId="Word.Document.12">
+                <p:oleObj spid="_x0000_s1124" name="Document" r:id="rId3" imgW="5274753" imgH="198007" progId="Word.Document.12">
                   <p:embed/>
                 </p:oleObj>
               </mc:Choice>
@@ -6056,6 +6063,509 @@
       </p:grpSpPr>
       <p:sp>
         <p:nvSpPr>
+          <p:cNvPr id="4" name="文本框 3">
+            <a:extLst>
+              <a:ext uri="{FF2B5EF4-FFF2-40B4-BE49-F238E27FC236}">
+                <a16:creationId xmlns:a16="http://schemas.microsoft.com/office/drawing/2014/main" id="{2F36E08A-A7A5-4C5A-BD20-D57F05840FCD}"/>
+              </a:ext>
+            </a:extLst>
+          </p:cNvPr>
+          <p:cNvSpPr txBox="1"/>
+          <p:nvPr/>
+        </p:nvSpPr>
+        <p:spPr>
+          <a:xfrm>
+            <a:off x="442783" y="1754943"/>
+            <a:ext cx="10367320" cy="707886"/>
+          </a:xfrm>
+          <a:prstGeom prst="rect">
+            <a:avLst/>
+          </a:prstGeom>
+          <a:noFill/>
+        </p:spPr>
+        <p:txBody>
+          <a:bodyPr wrap="square" rtlCol="0">
+            <a:spAutoFit/>
+          </a:bodyPr>
+          <a:lstStyle/>
+          <a:p>
+            <a:r>
+              <a:rPr lang="en-US" altLang="zh-CN" sz="2000" b="1" dirty="0">
+                <a:latin typeface="宋体" panose="02010600030101010101" pitchFamily="2" charset="-122"/>
+                <a:ea typeface="宋体" panose="02010600030101010101" pitchFamily="2" charset="-122"/>
+              </a:rPr>
+              <a:t>LSB</a:t>
+            </a:r>
+            <a:r>
+              <a:rPr lang="zh-CN" altLang="en-US" sz="2000" b="1" dirty="0">
+                <a:latin typeface="宋体" panose="02010600030101010101" pitchFamily="2" charset="-122"/>
+                <a:ea typeface="宋体" panose="02010600030101010101" pitchFamily="2" charset="-122"/>
+              </a:rPr>
+              <a:t>算法</a:t>
+            </a:r>
+            <a:r>
+              <a:rPr lang="en-US" altLang="zh-CN" sz="2000" b="1" dirty="0">
+                <a:latin typeface="宋体" panose="02010600030101010101" pitchFamily="2" charset="-122"/>
+                <a:ea typeface="宋体" panose="02010600030101010101" pitchFamily="2" charset="-122"/>
+              </a:rPr>
+              <a:t>:</a:t>
+            </a:r>
+            <a:r>
+              <a:rPr lang="zh-CN" altLang="en-US" sz="2000" dirty="0">
+                <a:latin typeface="宋体" panose="02010600030101010101" pitchFamily="2" charset="-122"/>
+                <a:ea typeface="宋体" panose="02010600030101010101" pitchFamily="2" charset="-122"/>
+              </a:rPr>
+              <a:t>将秘密信息嵌入到</a:t>
+            </a:r>
+            <a:r>
+              <a:rPr lang="zh-CN" altLang="en-US" sz="2000" b="1" dirty="0">
+                <a:latin typeface="宋体" panose="02010600030101010101" pitchFamily="2" charset="-122"/>
+                <a:ea typeface="宋体" panose="02010600030101010101" pitchFamily="2" charset="-122"/>
+              </a:rPr>
+              <a:t>载体图像像素值</a:t>
+            </a:r>
+            <a:r>
+              <a:rPr lang="zh-CN" altLang="en-US" sz="2000" dirty="0">
+                <a:latin typeface="宋体" panose="02010600030101010101" pitchFamily="2" charset="-122"/>
+                <a:ea typeface="宋体" panose="02010600030101010101" pitchFamily="2" charset="-122"/>
+              </a:rPr>
+              <a:t>的</a:t>
+            </a:r>
+            <a:r>
+              <a:rPr lang="zh-CN" altLang="en-US" sz="2000" b="1" dirty="0">
+                <a:latin typeface="宋体" panose="02010600030101010101" pitchFamily="2" charset="-122"/>
+                <a:ea typeface="宋体" panose="02010600030101010101" pitchFamily="2" charset="-122"/>
+              </a:rPr>
+              <a:t>最低有效位</a:t>
+            </a:r>
+            <a:r>
+              <a:rPr lang="zh-CN" altLang="en-US" sz="2000" dirty="0">
+                <a:latin typeface="宋体" panose="02010600030101010101" pitchFamily="2" charset="-122"/>
+                <a:ea typeface="宋体" panose="02010600030101010101" pitchFamily="2" charset="-122"/>
+              </a:rPr>
+              <a:t>，也称</a:t>
+            </a:r>
+            <a:r>
+              <a:rPr lang="zh-CN" altLang="en-US" sz="2000" b="1" dirty="0">
+                <a:latin typeface="宋体" panose="02010600030101010101" pitchFamily="2" charset="-122"/>
+                <a:ea typeface="宋体" panose="02010600030101010101" pitchFamily="2" charset="-122"/>
+              </a:rPr>
+              <a:t>最不显著位</a:t>
+            </a:r>
+            <a:r>
+              <a:rPr lang="zh-CN" altLang="en-US" sz="2000" dirty="0">
+                <a:latin typeface="宋体" panose="02010600030101010101" pitchFamily="2" charset="-122"/>
+                <a:ea typeface="宋体" panose="02010600030101010101" pitchFamily="2" charset="-122"/>
+              </a:rPr>
+              <a:t>，改变这一位置对</a:t>
+            </a:r>
+            <a:r>
+              <a:rPr lang="zh-CN" altLang="en-US" sz="2000" b="1" dirty="0">
+                <a:latin typeface="宋体" panose="02010600030101010101" pitchFamily="2" charset="-122"/>
+                <a:ea typeface="宋体" panose="02010600030101010101" pitchFamily="2" charset="-122"/>
+              </a:rPr>
+              <a:t>载体图像</a:t>
+            </a:r>
+            <a:r>
+              <a:rPr lang="zh-CN" altLang="en-US" sz="2000" dirty="0">
+                <a:latin typeface="宋体" panose="02010600030101010101" pitchFamily="2" charset="-122"/>
+                <a:ea typeface="宋体" panose="02010600030101010101" pitchFamily="2" charset="-122"/>
+              </a:rPr>
+              <a:t>的品质影响</a:t>
+            </a:r>
+            <a:r>
+              <a:rPr lang="zh-CN" altLang="en-US" sz="2000" b="1" dirty="0">
+                <a:latin typeface="宋体" panose="02010600030101010101" pitchFamily="2" charset="-122"/>
+                <a:ea typeface="宋体" panose="02010600030101010101" pitchFamily="2" charset="-122"/>
+              </a:rPr>
+              <a:t>最小</a:t>
+            </a:r>
+            <a:r>
+              <a:rPr lang="zh-CN" altLang="en-US" sz="2000" dirty="0">
+                <a:latin typeface="宋体" panose="02010600030101010101" pitchFamily="2" charset="-122"/>
+                <a:ea typeface="宋体" panose="02010600030101010101" pitchFamily="2" charset="-122"/>
+              </a:rPr>
+              <a:t>。</a:t>
+            </a:r>
+          </a:p>
+        </p:txBody>
+      </p:sp>
+      <p:sp>
+        <p:nvSpPr>
+          <p:cNvPr id="5" name="矩形 4">
+            <a:extLst>
+              <a:ext uri="{FF2B5EF4-FFF2-40B4-BE49-F238E27FC236}">
+                <a16:creationId xmlns:a16="http://schemas.microsoft.com/office/drawing/2014/main" id="{5583931B-51F9-4612-928D-DF328EB71515}"/>
+              </a:ext>
+            </a:extLst>
+          </p:cNvPr>
+          <p:cNvSpPr/>
+          <p:nvPr/>
+        </p:nvSpPr>
+        <p:spPr>
+          <a:xfrm>
+            <a:off x="442783" y="2917223"/>
+            <a:ext cx="10367320" cy="2246769"/>
+          </a:xfrm>
+          <a:prstGeom prst="rect">
+            <a:avLst/>
+          </a:prstGeom>
+        </p:spPr>
+        <p:txBody>
+          <a:bodyPr wrap="square">
+            <a:spAutoFit/>
+          </a:bodyPr>
+          <a:lstStyle/>
+          <a:p>
+            <a:r>
+              <a:rPr lang="en-US" altLang="zh-CN" sz="2000" b="1" dirty="0">
+                <a:solidFill>
+                  <a:srgbClr val="333333"/>
+                </a:solidFill>
+                <a:latin typeface="宋体" panose="02010600030101010101" pitchFamily="2" charset="-122"/>
+                <a:ea typeface="宋体" panose="02010600030101010101" pitchFamily="2" charset="-122"/>
+              </a:rPr>
+              <a:t>LSB</a:t>
+            </a:r>
+            <a:r>
+              <a:rPr lang="zh-CN" altLang="en-US" sz="2000" b="1" dirty="0">
+                <a:solidFill>
+                  <a:srgbClr val="333333"/>
+                </a:solidFill>
+                <a:latin typeface="宋体" panose="02010600030101010101" pitchFamily="2" charset="-122"/>
+                <a:ea typeface="宋体" panose="02010600030101010101" pitchFamily="2" charset="-122"/>
+              </a:rPr>
+              <a:t>算法实现的一般步骤：</a:t>
+            </a:r>
+            <a:endParaRPr lang="en-US" altLang="zh-CN" sz="2000" b="1" dirty="0">
+              <a:solidFill>
+                <a:srgbClr val="333333"/>
+              </a:solidFill>
+              <a:latin typeface="宋体" panose="02010600030101010101" pitchFamily="2" charset="-122"/>
+              <a:ea typeface="宋体" panose="02010600030101010101" pitchFamily="2" charset="-122"/>
+            </a:endParaRPr>
+          </a:p>
+          <a:p>
+            <a:endParaRPr lang="zh-CN" altLang="en-US" sz="2000" b="1" dirty="0">
+              <a:solidFill>
+                <a:srgbClr val="333333"/>
+              </a:solidFill>
+              <a:latin typeface="宋体" panose="02010600030101010101" pitchFamily="2" charset="-122"/>
+              <a:ea typeface="宋体" panose="02010600030101010101" pitchFamily="2" charset="-122"/>
+            </a:endParaRPr>
+          </a:p>
+          <a:p>
+            <a:r>
+              <a:rPr lang="en-US" altLang="zh-CN" sz="2000" dirty="0">
+                <a:solidFill>
+                  <a:srgbClr val="333333"/>
+                </a:solidFill>
+                <a:latin typeface="宋体" panose="02010600030101010101" pitchFamily="2" charset="-122"/>
+                <a:ea typeface="宋体" panose="02010600030101010101" pitchFamily="2" charset="-122"/>
+              </a:rPr>
+              <a:t>1 </a:t>
+            </a:r>
+            <a:r>
+              <a:rPr lang="zh-CN" altLang="en-US" sz="2000" dirty="0">
+                <a:solidFill>
+                  <a:srgbClr val="333333"/>
+                </a:solidFill>
+                <a:latin typeface="宋体" panose="02010600030101010101" pitchFamily="2" charset="-122"/>
+                <a:ea typeface="宋体" panose="02010600030101010101" pitchFamily="2" charset="-122"/>
+              </a:rPr>
+              <a:t>将原始载体图像的像素值由</a:t>
+            </a:r>
+            <a:r>
+              <a:rPr lang="zh-CN" altLang="en-US" sz="2000" b="1" dirty="0">
+                <a:solidFill>
+                  <a:srgbClr val="333333"/>
+                </a:solidFill>
+                <a:latin typeface="宋体" panose="02010600030101010101" pitchFamily="2" charset="-122"/>
+                <a:ea typeface="宋体" panose="02010600030101010101" pitchFamily="2" charset="-122"/>
+              </a:rPr>
+              <a:t>十进制</a:t>
+            </a:r>
+            <a:r>
+              <a:rPr lang="zh-CN" altLang="en-US" sz="2000" dirty="0">
+                <a:solidFill>
+                  <a:srgbClr val="333333"/>
+                </a:solidFill>
+                <a:latin typeface="宋体" panose="02010600030101010101" pitchFamily="2" charset="-122"/>
+                <a:ea typeface="宋体" panose="02010600030101010101" pitchFamily="2" charset="-122"/>
+              </a:rPr>
+              <a:t>转换成</a:t>
+            </a:r>
+            <a:r>
+              <a:rPr lang="zh-CN" altLang="en-US" sz="2000" b="1" dirty="0">
+                <a:solidFill>
+                  <a:srgbClr val="333333"/>
+                </a:solidFill>
+                <a:latin typeface="宋体" panose="02010600030101010101" pitchFamily="2" charset="-122"/>
+                <a:ea typeface="宋体" panose="02010600030101010101" pitchFamily="2" charset="-122"/>
+              </a:rPr>
+              <a:t>二进制</a:t>
+            </a:r>
+            <a:r>
+              <a:rPr lang="zh-CN" altLang="en-US" sz="2000" dirty="0">
+                <a:solidFill>
+                  <a:srgbClr val="333333"/>
+                </a:solidFill>
+                <a:latin typeface="宋体" panose="02010600030101010101" pitchFamily="2" charset="-122"/>
+                <a:ea typeface="宋体" panose="02010600030101010101" pitchFamily="2" charset="-122"/>
+              </a:rPr>
+              <a:t>；</a:t>
+            </a:r>
+            <a:endParaRPr lang="en-US" altLang="zh-CN" sz="2000" dirty="0">
+              <a:solidFill>
+                <a:srgbClr val="333333"/>
+              </a:solidFill>
+              <a:latin typeface="宋体" panose="02010600030101010101" pitchFamily="2" charset="-122"/>
+              <a:ea typeface="宋体" panose="02010600030101010101" pitchFamily="2" charset="-122"/>
+            </a:endParaRPr>
+          </a:p>
+          <a:p>
+            <a:endParaRPr lang="zh-CN" altLang="en-US" sz="2000" dirty="0">
+              <a:solidFill>
+                <a:srgbClr val="333333"/>
+              </a:solidFill>
+              <a:latin typeface="宋体" panose="02010600030101010101" pitchFamily="2" charset="-122"/>
+              <a:ea typeface="宋体" panose="02010600030101010101" pitchFamily="2" charset="-122"/>
+            </a:endParaRPr>
+          </a:p>
+          <a:p>
+            <a:r>
+              <a:rPr lang="en-US" altLang="zh-CN" sz="2000" dirty="0">
+                <a:solidFill>
+                  <a:srgbClr val="333333"/>
+                </a:solidFill>
+                <a:latin typeface="宋体" panose="02010600030101010101" pitchFamily="2" charset="-122"/>
+                <a:ea typeface="宋体" panose="02010600030101010101" pitchFamily="2" charset="-122"/>
+              </a:rPr>
+              <a:t>2 </a:t>
+            </a:r>
+            <a:r>
+              <a:rPr lang="zh-CN" altLang="en-US" sz="2000" dirty="0">
+                <a:solidFill>
+                  <a:srgbClr val="333333"/>
+                </a:solidFill>
+                <a:latin typeface="宋体" panose="02010600030101010101" pitchFamily="2" charset="-122"/>
+                <a:ea typeface="宋体" panose="02010600030101010101" pitchFamily="2" charset="-122"/>
+              </a:rPr>
+              <a:t>用二进制秘密信息中的每一比特信息</a:t>
+            </a:r>
+            <a:r>
+              <a:rPr lang="zh-CN" altLang="en-US" sz="2000" b="1" dirty="0">
+                <a:solidFill>
+                  <a:srgbClr val="333333"/>
+                </a:solidFill>
+                <a:latin typeface="宋体" panose="02010600030101010101" pitchFamily="2" charset="-122"/>
+                <a:ea typeface="宋体" panose="02010600030101010101" pitchFamily="2" charset="-122"/>
+              </a:rPr>
+              <a:t>替换</a:t>
+            </a:r>
+            <a:r>
+              <a:rPr lang="zh-CN" altLang="en-US" sz="2000" dirty="0">
+                <a:solidFill>
+                  <a:srgbClr val="333333"/>
+                </a:solidFill>
+                <a:latin typeface="宋体" panose="02010600030101010101" pitchFamily="2" charset="-122"/>
+                <a:ea typeface="宋体" panose="02010600030101010101" pitchFamily="2" charset="-122"/>
+              </a:rPr>
+              <a:t>与之相对应的载体数据的最低有效位；</a:t>
+            </a:r>
+            <a:endParaRPr lang="en-US" altLang="zh-CN" sz="2000" dirty="0">
+              <a:solidFill>
+                <a:srgbClr val="333333"/>
+              </a:solidFill>
+              <a:latin typeface="宋体" panose="02010600030101010101" pitchFamily="2" charset="-122"/>
+              <a:ea typeface="宋体" panose="02010600030101010101" pitchFamily="2" charset="-122"/>
+            </a:endParaRPr>
+          </a:p>
+          <a:p>
+            <a:endParaRPr lang="zh-CN" altLang="en-US" sz="2000" dirty="0">
+              <a:solidFill>
+                <a:srgbClr val="333333"/>
+              </a:solidFill>
+              <a:latin typeface="宋体" panose="02010600030101010101" pitchFamily="2" charset="-122"/>
+              <a:ea typeface="宋体" panose="02010600030101010101" pitchFamily="2" charset="-122"/>
+            </a:endParaRPr>
+          </a:p>
+          <a:p>
+            <a:r>
+              <a:rPr lang="en-US" altLang="zh-CN" sz="2000" dirty="0">
+                <a:solidFill>
+                  <a:srgbClr val="333333"/>
+                </a:solidFill>
+                <a:latin typeface="宋体" panose="02010600030101010101" pitchFamily="2" charset="-122"/>
+                <a:ea typeface="宋体" panose="02010600030101010101" pitchFamily="2" charset="-122"/>
+              </a:rPr>
+              <a:t>3 </a:t>
+            </a:r>
+            <a:r>
+              <a:rPr lang="zh-CN" altLang="en-US" sz="2000" dirty="0">
+                <a:solidFill>
+                  <a:srgbClr val="333333"/>
+                </a:solidFill>
+                <a:latin typeface="宋体" panose="02010600030101010101" pitchFamily="2" charset="-122"/>
+                <a:ea typeface="宋体" panose="02010600030101010101" pitchFamily="2" charset="-122"/>
+              </a:rPr>
+              <a:t>将得到的含秘密信息的</a:t>
+            </a:r>
+            <a:r>
+              <a:rPr lang="zh-CN" altLang="en-US" sz="2000" b="1" dirty="0">
+                <a:solidFill>
+                  <a:srgbClr val="333333"/>
+                </a:solidFill>
+                <a:latin typeface="宋体" panose="02010600030101010101" pitchFamily="2" charset="-122"/>
+                <a:ea typeface="宋体" panose="02010600030101010101" pitchFamily="2" charset="-122"/>
+              </a:rPr>
+              <a:t>二进制</a:t>
+            </a:r>
+            <a:r>
+              <a:rPr lang="zh-CN" altLang="en-US" sz="2000" dirty="0">
+                <a:solidFill>
+                  <a:srgbClr val="333333"/>
+                </a:solidFill>
+                <a:latin typeface="宋体" panose="02010600030101010101" pitchFamily="2" charset="-122"/>
+                <a:ea typeface="宋体" panose="02010600030101010101" pitchFamily="2" charset="-122"/>
+              </a:rPr>
+              <a:t>数据转换为</a:t>
+            </a:r>
+            <a:r>
+              <a:rPr lang="zh-CN" altLang="en-US" sz="2000" b="1" dirty="0">
+                <a:solidFill>
+                  <a:srgbClr val="333333"/>
+                </a:solidFill>
+                <a:latin typeface="宋体" panose="02010600030101010101" pitchFamily="2" charset="-122"/>
+                <a:ea typeface="宋体" panose="02010600030101010101" pitchFamily="2" charset="-122"/>
+              </a:rPr>
+              <a:t>十进制</a:t>
+            </a:r>
+            <a:r>
+              <a:rPr lang="zh-CN" altLang="en-US" sz="2000" dirty="0">
+                <a:solidFill>
+                  <a:srgbClr val="333333"/>
+                </a:solidFill>
+                <a:latin typeface="宋体" panose="02010600030101010101" pitchFamily="2" charset="-122"/>
+                <a:ea typeface="宋体" panose="02010600030101010101" pitchFamily="2" charset="-122"/>
+              </a:rPr>
+              <a:t>像素值，从而获得含秘密信息的图像；</a:t>
+            </a:r>
+            <a:endParaRPr lang="zh-CN" altLang="en-US" sz="2000" b="0" i="0" u="none" strike="noStrike" dirty="0">
+              <a:solidFill>
+                <a:srgbClr val="333333"/>
+              </a:solidFill>
+              <a:effectLst/>
+              <a:latin typeface="宋体" panose="02010600030101010101" pitchFamily="2" charset="-122"/>
+              <a:ea typeface="宋体" panose="02010600030101010101" pitchFamily="2" charset="-122"/>
+            </a:endParaRPr>
+          </a:p>
+        </p:txBody>
+      </p:sp>
+      <p:sp>
+        <p:nvSpPr>
+          <p:cNvPr id="6" name="标题 1">
+            <a:extLst>
+              <a:ext uri="{FF2B5EF4-FFF2-40B4-BE49-F238E27FC236}">
+                <a16:creationId xmlns:a16="http://schemas.microsoft.com/office/drawing/2014/main" id="{E63D6DD2-C886-4C90-A28D-E0816A15952D}"/>
+              </a:ext>
+            </a:extLst>
+          </p:cNvPr>
+          <p:cNvSpPr txBox="1">
+            <a:spLocks/>
+          </p:cNvSpPr>
+          <p:nvPr/>
+        </p:nvSpPr>
+        <p:spPr>
+          <a:xfrm>
+            <a:off x="442783" y="382710"/>
+            <a:ext cx="10515600" cy="663575"/>
+          </a:xfrm>
+          <a:prstGeom prst="rect">
+            <a:avLst/>
+          </a:prstGeom>
+        </p:spPr>
+        <p:txBody>
+          <a:bodyPr vert="horz" lIns="91440" tIns="45720" rIns="91440" bIns="45720" rtlCol="0" anchor="ctr">
+            <a:normAutofit/>
+          </a:bodyPr>
+          <a:lstStyle>
+            <a:lvl1pPr algn="l" defTabSz="914400" rtl="0" eaLnBrk="1" latinLnBrk="0" hangingPunct="1">
+              <a:lnSpc>
+                <a:spcPct val="90000"/>
+              </a:lnSpc>
+              <a:spcBef>
+                <a:spcPct val="0"/>
+              </a:spcBef>
+              <a:buNone/>
+              <a:defRPr sz="4400" kern="1200">
+                <a:solidFill>
+                  <a:schemeClr val="tx1"/>
+                </a:solidFill>
+                <a:latin typeface="+mj-lt"/>
+                <a:ea typeface="+mj-ea"/>
+                <a:cs typeface="+mj-cs"/>
+              </a:defRPr>
+            </a:lvl1pPr>
+          </a:lstStyle>
+          <a:p>
+            <a:r>
+              <a:rPr lang="zh-CN" altLang="en-US" sz="3600" b="1" dirty="0">
+                <a:latin typeface="宋体" panose="02010600030101010101" pitchFamily="2" charset="-122"/>
+                <a:ea typeface="宋体" panose="02010600030101010101" pitchFamily="2" charset="-122"/>
+              </a:rPr>
+              <a:t>基于最不重要位的图片</a:t>
+            </a:r>
+            <a:r>
+              <a:rPr lang="en-US" altLang="zh-CN" sz="3600" b="1" dirty="0">
+                <a:latin typeface="宋体" panose="02010600030101010101" pitchFamily="2" charset="-122"/>
+                <a:ea typeface="宋体" panose="02010600030101010101" pitchFamily="2" charset="-122"/>
+              </a:rPr>
+              <a:t>/</a:t>
+            </a:r>
+            <a:r>
+              <a:rPr lang="zh-CN" altLang="en-US" sz="3600" b="1" dirty="0">
+                <a:latin typeface="宋体" panose="02010600030101010101" pitchFamily="2" charset="-122"/>
+                <a:ea typeface="宋体" panose="02010600030101010101" pitchFamily="2" charset="-122"/>
+              </a:rPr>
+              <a:t>语音信息隐藏</a:t>
+            </a:r>
+            <a:endParaRPr lang="zh-CN" altLang="en-US" sz="3600" b="1" dirty="0"/>
+          </a:p>
+        </p:txBody>
+      </p:sp>
+    </p:spTree>
+    <p:extLst>
+      <p:ext uri="{BB962C8B-B14F-4D97-AF65-F5344CB8AC3E}">
+        <p14:creationId xmlns:p14="http://schemas.microsoft.com/office/powerpoint/2010/main" val="3778176670"/>
+      </p:ext>
+    </p:extLst>
+  </p:cSld>
+  <p:clrMapOvr>
+    <a:masterClrMapping/>
+  </p:clrMapOvr>
+</p:sld>
+</file>
+
+<file path=ppt/slides/slide7.xml><?xml version="1.0" encoding="utf-8"?>
+<p:sld xmlns:a="http://schemas.openxmlformats.org/drawingml/2006/main" xmlns:r="http://schemas.openxmlformats.org/officeDocument/2006/relationships" xmlns:p="http://schemas.openxmlformats.org/presentationml/2006/main">
+  <p:cSld>
+    <p:spTree>
+      <p:nvGrpSpPr>
+        <p:cNvPr id="1" name=""/>
+        <p:cNvGrpSpPr/>
+        <p:nvPr/>
+      </p:nvGrpSpPr>
+      <p:grpSpPr>
+        <a:xfrm>
+          <a:off x="0" y="0"/>
+          <a:ext cx="0" cy="0"/>
+          <a:chOff x="0" y="0"/>
+          <a:chExt cx="0" cy="0"/>
+        </a:xfrm>
+      </p:grpSpPr>
+      <p:sp>
+        <p:nvSpPr>
           <p:cNvPr id="2" name="标题 1">
             <a:extLst>
               <a:ext uri="{FF2B5EF4-FFF2-40B4-BE49-F238E27FC236}">
@@ -6084,21 +6594,2468 @@
           <a:p>
             <a:r>
               <a:rPr lang="zh-CN" altLang="en-US" sz="3600" b="1" dirty="0"/>
-              <a:t>预期效果</a:t>
+              <a:t>回声隐藏算法</a:t>
             </a:r>
           </a:p>
         </p:txBody>
       </p:sp>
+      <mc:AlternateContent xmlns:mc="http://schemas.openxmlformats.org/markup-compatibility/2006" xmlns:a14="http://schemas.microsoft.com/office/drawing/2010/main">
+        <mc:Choice Requires="a14">
+          <p:sp>
+            <p:nvSpPr>
+              <p:cNvPr id="3" name="矩形 2"/>
+              <p:cNvSpPr/>
+              <p:nvPr/>
+            </p:nvSpPr>
+            <p:spPr>
+              <a:xfrm>
+                <a:off x="1430482" y="1221571"/>
+                <a:ext cx="9331036" cy="5262979"/>
+              </a:xfrm>
+              <a:prstGeom prst="rect">
+                <a:avLst/>
+              </a:prstGeom>
+            </p:spPr>
+            <p:txBody>
+              <a:bodyPr wrap="square">
+                <a:spAutoFit/>
+              </a:bodyPr>
+              <a:lstStyle/>
+              <a:p>
+                <a:r>
+                  <a:rPr lang="zh-CN" altLang="en-US" dirty="0"/>
+                  <a:t>           </a:t>
+                </a:r>
+                <a:r>
+                  <a:rPr lang="zh-CN" altLang="en-US" sz="2800" b="1" dirty="0"/>
+                  <a:t>回声隐藏</a:t>
+                </a:r>
+                <a:r>
+                  <a:rPr lang="zh-CN" altLang="en-US" sz="2800" dirty="0"/>
+                  <a:t>是一种通过引入人耳不可感知的回声来将秘密数据嵌入到载体音频数据的方法。</a:t>
+                </a:r>
+                <a:endParaRPr lang="en-US" altLang="zh-CN" sz="2800" dirty="0"/>
+              </a:p>
+              <a:p>
+                <a:r>
+                  <a:rPr lang="en-US" altLang="zh-CN" sz="2800" dirty="0"/>
+                  <a:t>       </a:t>
+                </a:r>
+                <a:r>
+                  <a:rPr lang="zh-CN" altLang="en-US" sz="2800" dirty="0"/>
+                  <a:t>听觉系统对音频文件中的加性随机噪声很敏感，能够觉察出微小的扰动；但是当两个声音同时存在，或者在相隔很短的时间内存在，相对微弱的语音会被更强的语音所隐蔽。</a:t>
+                </a:r>
+                <a:endParaRPr lang="en-US" altLang="zh-CN" sz="2800" dirty="0"/>
+              </a:p>
+              <a:p>
+                <a:r>
+                  <a:rPr lang="en-US" altLang="zh-CN" sz="2800" dirty="0"/>
+                  <a:t>       </a:t>
+                </a:r>
+                <a:r>
+                  <a:rPr lang="zh-CN" altLang="en-US" sz="2800" b="1" dirty="0"/>
+                  <a:t>计划实现过程：</a:t>
+                </a:r>
+                <a:endParaRPr lang="en-US" altLang="zh-CN" sz="2800" b="1" dirty="0"/>
+              </a:p>
+              <a:p>
+                <a:r>
+                  <a:rPr lang="en-US" altLang="zh-CN" sz="2800" b="1" dirty="0"/>
+                  <a:t>       </a:t>
+                </a:r>
+                <a:r>
+                  <a:rPr lang="en-US" altLang="zh-CN" sz="2800" dirty="0"/>
+                  <a:t>1.</a:t>
+                </a:r>
+                <a:r>
+                  <a:rPr lang="zh-CN" altLang="en-US" sz="2800" dirty="0"/>
+                  <a:t>首先对需要隐藏的信息进行二进制转换，利用单位脉冲响应为</a:t>
+                </a:r>
+                <a14:m>
+                  <m:oMath xmlns:m="http://schemas.openxmlformats.org/officeDocument/2006/math">
+                    <m:r>
+                      <a:rPr lang="en-US" altLang="zh-CN" sz="2800" b="0" i="1" smtClean="0">
+                        <a:latin typeface="Cambria Math" panose="02040503050406030204" pitchFamily="18" charset="0"/>
+                      </a:rPr>
+                      <m:t>h</m:t>
+                    </m:r>
+                    <m:d>
+                      <m:dPr>
+                        <m:ctrlPr>
+                          <a:rPr lang="en-US" altLang="zh-CN" sz="2800" b="0" i="1" smtClean="0">
+                            <a:latin typeface="Cambria Math" panose="02040503050406030204" pitchFamily="18" charset="0"/>
+                          </a:rPr>
+                        </m:ctrlPr>
+                      </m:dPr>
+                      <m:e>
+                        <m:r>
+                          <a:rPr lang="en-US" altLang="zh-CN" sz="2800" b="0" i="1" smtClean="0">
+                            <a:latin typeface="Cambria Math" panose="02040503050406030204" pitchFamily="18" charset="0"/>
+                          </a:rPr>
+                          <m:t>𝑛</m:t>
+                        </m:r>
+                      </m:e>
+                    </m:d>
+                    <m:r>
+                      <a:rPr lang="en-US" altLang="zh-CN" sz="2800" b="0" i="1" smtClean="0">
+                        <a:latin typeface="Cambria Math" panose="02040503050406030204" pitchFamily="18" charset="0"/>
+                      </a:rPr>
+                      <m:t>=</m:t>
+                    </m:r>
+                    <m:r>
+                      <a:rPr lang="en-US" altLang="zh-CN" sz="2800" b="0" i="1" smtClean="0">
+                        <a:latin typeface="Cambria Math" panose="02040503050406030204" pitchFamily="18" charset="0"/>
+                      </a:rPr>
+                      <m:t>𝛿</m:t>
+                    </m:r>
+                    <m:d>
+                      <m:dPr>
+                        <m:ctrlPr>
+                          <a:rPr lang="en-US" altLang="zh-CN" sz="2800" b="0" i="1" smtClean="0">
+                            <a:latin typeface="Cambria Math" panose="02040503050406030204" pitchFamily="18" charset="0"/>
+                          </a:rPr>
+                        </m:ctrlPr>
+                      </m:dPr>
+                      <m:e>
+                        <m:r>
+                          <a:rPr lang="en-US" altLang="zh-CN" sz="2800" b="0" i="1" smtClean="0">
+                            <a:latin typeface="Cambria Math" panose="02040503050406030204" pitchFamily="18" charset="0"/>
+                          </a:rPr>
+                          <m:t>𝑛</m:t>
+                        </m:r>
+                      </m:e>
+                    </m:d>
+                    <m:r>
+                      <a:rPr lang="en-US" altLang="zh-CN" sz="2800" b="0" i="1" smtClean="0">
+                        <a:latin typeface="Cambria Math" panose="02040503050406030204" pitchFamily="18" charset="0"/>
+                      </a:rPr>
+                      <m:t>+</m:t>
+                    </m:r>
+                    <m:r>
+                      <a:rPr lang="en-US" altLang="zh-CN" sz="2800" b="0" i="1" smtClean="0">
+                        <a:latin typeface="Cambria Math" panose="02040503050406030204" pitchFamily="18" charset="0"/>
+                      </a:rPr>
+                      <m:t>𝛼𝛿</m:t>
+                    </m:r>
+                    <m:r>
+                      <a:rPr lang="en-US" altLang="zh-CN" sz="2800" b="0" i="1" smtClean="0">
+                        <a:latin typeface="Cambria Math" panose="02040503050406030204" pitchFamily="18" charset="0"/>
+                      </a:rPr>
+                      <m:t>(</m:t>
+                    </m:r>
+                    <m:r>
+                      <a:rPr lang="en-US" altLang="zh-CN" sz="2800" b="0" i="1" smtClean="0">
+                        <a:latin typeface="Cambria Math" panose="02040503050406030204" pitchFamily="18" charset="0"/>
+                      </a:rPr>
+                      <m:t>𝑛</m:t>
+                    </m:r>
+                    <m:r>
+                      <a:rPr lang="en-US" altLang="zh-CN" sz="2800" b="0" i="1" smtClean="0">
+                        <a:latin typeface="Cambria Math" panose="02040503050406030204" pitchFamily="18" charset="0"/>
+                      </a:rPr>
+                      <m:t>−</m:t>
+                    </m:r>
+                    <m:r>
+                      <a:rPr lang="en-US" altLang="zh-CN" sz="2800" b="0" i="1" smtClean="0">
+                        <a:latin typeface="Cambria Math" panose="02040503050406030204" pitchFamily="18" charset="0"/>
+                      </a:rPr>
+                      <m:t>𝑑</m:t>
+                    </m:r>
+                    <m:r>
+                      <a:rPr lang="en-US" altLang="zh-CN" sz="2800" b="0" i="1" smtClean="0">
+                        <a:latin typeface="Cambria Math" panose="02040503050406030204" pitchFamily="18" charset="0"/>
+                      </a:rPr>
+                      <m:t>)</m:t>
+                    </m:r>
+                    <m:r>
+                      <a:rPr lang="zh-CN" altLang="en-US" sz="2800" i="1">
+                        <a:latin typeface="Cambria Math" panose="02040503050406030204" pitchFamily="18" charset="0"/>
+                      </a:rPr>
+                      <m:t>的</m:t>
+                    </m:r>
+                  </m:oMath>
+                </a14:m>
+                <a:r>
+                  <a:rPr lang="zh-CN" altLang="en-US" sz="2800" dirty="0"/>
+                  <a:t>系统进行嵌入。</a:t>
+                </a:r>
+                <a:endParaRPr lang="en-US" altLang="zh-CN" sz="2800" dirty="0"/>
+              </a:p>
+              <a:p>
+                <a:r>
+                  <a:rPr lang="en-US" altLang="zh-CN" sz="2800" dirty="0"/>
+                  <a:t>       2.</a:t>
+                </a:r>
+                <a:r>
+                  <a:rPr lang="zh-CN" altLang="en-US" sz="2800" dirty="0"/>
+                  <a:t>提取嵌入信息时采用倒谱分析确定回声延迟，从而提取数据恢复出嵌入信息。</a:t>
+                </a:r>
+                <a:endParaRPr lang="en-US" altLang="zh-CN" sz="2800" dirty="0"/>
+              </a:p>
+              <a:p>
+                <a:r>
+                  <a:rPr lang="en-US" altLang="zh-CN" sz="2800" dirty="0"/>
+                  <a:t>		</a:t>
+                </a:r>
+                <a:endParaRPr lang="zh-CN" altLang="en-US" sz="2800" dirty="0"/>
+              </a:p>
+            </p:txBody>
+          </p:sp>
+        </mc:Choice>
+        <mc:Fallback xmlns="">
+          <p:sp>
+            <p:nvSpPr>
+              <p:cNvPr id="3" name="矩形 2"/>
+              <p:cNvSpPr>
+                <a:spLocks noRot="1" noChangeAspect="1" noMove="1" noResize="1" noEditPoints="1" noAdjustHandles="1" noChangeArrowheads="1" noChangeShapeType="1" noTextEdit="1"/>
+              </p:cNvSpPr>
+              <p:nvPr/>
+            </p:nvSpPr>
+            <p:spPr>
+              <a:xfrm>
+                <a:off x="1430482" y="1221571"/>
+                <a:ext cx="9331036" cy="5262979"/>
+              </a:xfrm>
+              <a:prstGeom prst="rect">
+                <a:avLst/>
+              </a:prstGeom>
+              <a:blipFill>
+                <a:blip r:embed="rId2"/>
+                <a:stretch>
+                  <a:fillRect l="-1373" t="-1273" r="-850"/>
+                </a:stretch>
+              </a:blipFill>
+            </p:spPr>
+            <p:txBody>
+              <a:bodyPr/>
+              <a:lstStyle/>
+              <a:p>
+                <a:r>
+                  <a:rPr lang="zh-CN" altLang="en-US">
+                    <a:noFill/>
+                  </a:rPr>
+                  <a:t> </a:t>
+                </a:r>
+              </a:p>
+            </p:txBody>
+          </p:sp>
+        </mc:Fallback>
+      </mc:AlternateContent>
     </p:spTree>
     <p:extLst>
       <p:ext uri="{BB962C8B-B14F-4D97-AF65-F5344CB8AC3E}">
-        <p14:creationId xmlns:p14="http://schemas.microsoft.com/office/powerpoint/2010/main" val="2661119284"/>
+        <p14:creationId xmlns:p14="http://schemas.microsoft.com/office/powerpoint/2010/main" val="4072458594"/>
       </p:ext>
     </p:extLst>
   </p:cSld>
   <p:clrMapOvr>
     <a:masterClrMapping/>
   </p:clrMapOvr>
+</p:sld>
+</file>
+
+<file path=ppt/slides/slide8.xml><?xml version="1.0" encoding="utf-8"?>
+<p:sld xmlns:a="http://schemas.openxmlformats.org/drawingml/2006/main" xmlns:r="http://schemas.openxmlformats.org/officeDocument/2006/relationships" xmlns:p="http://schemas.openxmlformats.org/presentationml/2006/main">
+  <p:cSld>
+    <p:spTree>
+      <p:nvGrpSpPr>
+        <p:cNvPr id="1" name=""/>
+        <p:cNvGrpSpPr/>
+        <p:nvPr/>
+      </p:nvGrpSpPr>
+      <p:grpSpPr>
+        <a:xfrm>
+          <a:off x="0" y="0"/>
+          <a:ext cx="0" cy="0"/>
+          <a:chOff x="0" y="0"/>
+          <a:chExt cx="0" cy="0"/>
+        </a:xfrm>
+      </p:grpSpPr>
+      <p:sp>
+        <p:nvSpPr>
+          <p:cNvPr id="4" name="标题 1">
+            <a:extLst>
+              <a:ext uri="{FF2B5EF4-FFF2-40B4-BE49-F238E27FC236}">
+                <a16:creationId xmlns:a16="http://schemas.microsoft.com/office/drawing/2014/main" id="{B013CD59-8A88-4971-A790-9149ADFCCCB9}"/>
+              </a:ext>
+            </a:extLst>
+          </p:cNvPr>
+          <p:cNvSpPr>
+            <a:spLocks noGrp="1"/>
+          </p:cNvSpPr>
+          <p:nvPr>
+            <p:ph type="title"/>
+          </p:nvPr>
+        </p:nvSpPr>
+        <p:spPr>
+          <a:xfrm>
+            <a:off x="838200" y="365125"/>
+            <a:ext cx="10515600" cy="663575"/>
+          </a:xfrm>
+        </p:spPr>
+        <p:txBody>
+          <a:bodyPr>
+            <a:normAutofit/>
+          </a:bodyPr>
+          <a:lstStyle/>
+          <a:p>
+            <a:r>
+              <a:rPr lang="en-US" altLang="zh-CN" sz="3600" b="1" dirty="0"/>
+              <a:t>DCT</a:t>
+            </a:r>
+            <a:r>
+              <a:rPr lang="zh-CN" altLang="en-US" sz="3600" b="1" dirty="0"/>
+              <a:t>域信息隐藏</a:t>
+            </a:r>
+          </a:p>
+        </p:txBody>
+      </p:sp>
+      <mc:AlternateContent xmlns:mc="http://schemas.openxmlformats.org/markup-compatibility/2006">
+        <mc:Choice xmlns:a14="http://schemas.microsoft.com/office/drawing/2010/main" Requires="a14">
+          <p:sp>
+            <p:nvSpPr>
+              <p:cNvPr id="5" name="文本框 4">
+                <a:extLst>
+                  <a:ext uri="{FF2B5EF4-FFF2-40B4-BE49-F238E27FC236}">
+                    <a16:creationId xmlns:a16="http://schemas.microsoft.com/office/drawing/2014/main" id="{9F2AC66D-BBC1-4419-A0A6-42D0CD79AC79}"/>
+                  </a:ext>
+                </a:extLst>
+              </p:cNvPr>
+              <p:cNvSpPr txBox="1"/>
+              <p:nvPr/>
+            </p:nvSpPr>
+            <p:spPr>
+              <a:xfrm>
+                <a:off x="958362" y="1143000"/>
+                <a:ext cx="10515600" cy="3805465"/>
+              </a:xfrm>
+              <a:prstGeom prst="rect">
+                <a:avLst/>
+              </a:prstGeom>
+              <a:noFill/>
+            </p:spPr>
+            <p:txBody>
+              <a:bodyPr wrap="square" rtlCol="0">
+                <a:spAutoFit/>
+              </a:bodyPr>
+              <a:lstStyle/>
+              <a:p>
+                <a:r>
+                  <a:rPr lang="en-US" altLang="zh-CN" sz="2400" dirty="0"/>
+                  <a:t>DCT</a:t>
+                </a:r>
+                <a:r>
+                  <a:rPr lang="zh-CN" altLang="en-US" sz="2400" dirty="0"/>
+                  <a:t>变换的全称是离散余弦变换，它类似于离散傅里叶变换，但是只使用实数。</a:t>
+                </a:r>
+                <a:endParaRPr lang="en-US" altLang="zh-CN" sz="2400" dirty="0"/>
+              </a:p>
+              <a:p>
+                <a:endParaRPr lang="en-US" altLang="zh-CN" b="0" i="1" dirty="0">
+                  <a:latin typeface="Cambria Math" panose="02040503050406030204" pitchFamily="18" charset="0"/>
+                </a:endParaRPr>
+              </a:p>
+              <a:p>
+                <a14:m>
+                  <m:oMathPara xmlns:m="http://schemas.openxmlformats.org/officeDocument/2006/math">
+                    <m:oMathParaPr>
+                      <m:jc m:val="centerGroup"/>
+                    </m:oMathParaPr>
+                    <m:oMath xmlns:m="http://schemas.openxmlformats.org/officeDocument/2006/math">
+                      <m:r>
+                        <a:rPr lang="en-US" altLang="zh-CN" i="1">
+                          <a:latin typeface="Cambria Math" panose="02040503050406030204" pitchFamily="18" charset="0"/>
+                        </a:rPr>
+                        <m:t>𝐹</m:t>
+                      </m:r>
+                      <m:d>
+                        <m:dPr>
+                          <m:ctrlPr>
+                            <a:rPr lang="en-US" altLang="zh-CN" i="1">
+                              <a:latin typeface="Cambria Math" panose="02040503050406030204" pitchFamily="18" charset="0"/>
+                            </a:rPr>
+                          </m:ctrlPr>
+                        </m:dPr>
+                        <m:e>
+                          <m:r>
+                            <a:rPr lang="en-US" altLang="zh-CN" i="1">
+                              <a:latin typeface="Cambria Math" panose="02040503050406030204" pitchFamily="18" charset="0"/>
+                            </a:rPr>
+                            <m:t>𝑢</m:t>
+                          </m:r>
+                        </m:e>
+                      </m:d>
+                      <m:r>
+                        <a:rPr lang="en-US" altLang="zh-CN" i="1">
+                          <a:latin typeface="Cambria Math" panose="02040503050406030204" pitchFamily="18" charset="0"/>
+                        </a:rPr>
+                        <m:t>=</m:t>
+                      </m:r>
+                      <m:r>
+                        <a:rPr lang="en-US" altLang="zh-CN" i="1">
+                          <a:latin typeface="Cambria Math" panose="02040503050406030204" pitchFamily="18" charset="0"/>
+                        </a:rPr>
+                        <m:t>𝑐</m:t>
+                      </m:r>
+                      <m:d>
+                        <m:dPr>
+                          <m:ctrlPr>
+                            <a:rPr lang="en-US" altLang="zh-CN" i="1">
+                              <a:latin typeface="Cambria Math" panose="02040503050406030204" pitchFamily="18" charset="0"/>
+                            </a:rPr>
+                          </m:ctrlPr>
+                        </m:dPr>
+                        <m:e>
+                          <m:r>
+                            <a:rPr lang="en-US" altLang="zh-CN" i="1">
+                              <a:latin typeface="Cambria Math" panose="02040503050406030204" pitchFamily="18" charset="0"/>
+                            </a:rPr>
+                            <m:t>𝑢</m:t>
+                          </m:r>
+                        </m:e>
+                      </m:d>
+                      <m:nary>
+                        <m:naryPr>
+                          <m:chr m:val="∑"/>
+                          <m:ctrlPr>
+                            <a:rPr lang="en-US" altLang="zh-CN" i="1">
+                              <a:latin typeface="Cambria Math" panose="02040503050406030204" pitchFamily="18" charset="0"/>
+                            </a:rPr>
+                          </m:ctrlPr>
+                        </m:naryPr>
+                        <m:sub>
+                          <m:r>
+                            <m:rPr>
+                              <m:brk m:alnAt="23"/>
+                            </m:rPr>
+                            <a:rPr lang="en-US" altLang="zh-CN" i="1">
+                              <a:latin typeface="Cambria Math" panose="02040503050406030204" pitchFamily="18" charset="0"/>
+                            </a:rPr>
+                            <m:t>𝑖</m:t>
+                          </m:r>
+                          <m:r>
+                            <a:rPr lang="en-US" altLang="zh-CN" i="1">
+                              <a:latin typeface="Cambria Math" panose="02040503050406030204" pitchFamily="18" charset="0"/>
+                            </a:rPr>
+                            <m:t>=0</m:t>
+                          </m:r>
+                        </m:sub>
+                        <m:sup>
+                          <m:r>
+                            <a:rPr lang="en-US" altLang="zh-CN" i="1">
+                              <a:latin typeface="Cambria Math" panose="02040503050406030204" pitchFamily="18" charset="0"/>
+                            </a:rPr>
+                            <m:t>𝑁</m:t>
+                          </m:r>
+                          <m:r>
+                            <a:rPr lang="en-US" altLang="zh-CN" i="1">
+                              <a:latin typeface="Cambria Math" panose="02040503050406030204" pitchFamily="18" charset="0"/>
+                            </a:rPr>
+                            <m:t>−1</m:t>
+                          </m:r>
+                        </m:sup>
+                        <m:e>
+                          <m:r>
+                            <a:rPr lang="en-US" altLang="zh-CN" i="1">
+                              <a:latin typeface="Cambria Math" panose="02040503050406030204" pitchFamily="18" charset="0"/>
+                            </a:rPr>
+                            <m:t>𝑓</m:t>
+                          </m:r>
+                          <m:d>
+                            <m:dPr>
+                              <m:ctrlPr>
+                                <a:rPr lang="en-US" altLang="zh-CN" i="1">
+                                  <a:latin typeface="Cambria Math" panose="02040503050406030204" pitchFamily="18" charset="0"/>
+                                </a:rPr>
+                              </m:ctrlPr>
+                            </m:dPr>
+                            <m:e>
+                              <m:r>
+                                <a:rPr lang="en-US" altLang="zh-CN" i="1">
+                                  <a:latin typeface="Cambria Math" panose="02040503050406030204" pitchFamily="18" charset="0"/>
+                                </a:rPr>
+                                <m:t>𝑖</m:t>
+                              </m:r>
+                            </m:e>
+                          </m:d>
+                          <m:r>
+                            <m:rPr>
+                              <m:sty m:val="p"/>
+                            </m:rPr>
+                            <a:rPr lang="en-US" altLang="zh-CN">
+                              <a:latin typeface="Cambria Math" panose="02040503050406030204" pitchFamily="18" charset="0"/>
+                            </a:rPr>
+                            <m:t>cos</m:t>
+                          </m:r>
+                          <m:r>
+                            <a:rPr lang="en-US" altLang="zh-CN" i="1">
+                              <a:latin typeface="Cambria Math" panose="02040503050406030204" pitchFamily="18" charset="0"/>
+                            </a:rPr>
+                            <m:t>⁡[</m:t>
+                          </m:r>
+                          <m:f>
+                            <m:fPr>
+                              <m:ctrlPr>
+                                <a:rPr lang="en-US" altLang="zh-CN" i="1">
+                                  <a:latin typeface="Cambria Math" panose="02040503050406030204" pitchFamily="18" charset="0"/>
+                                </a:rPr>
+                              </m:ctrlPr>
+                            </m:fPr>
+                            <m:num>
+                              <m:d>
+                                <m:dPr>
+                                  <m:ctrlPr>
+                                    <a:rPr lang="en-US" altLang="zh-CN" i="1">
+                                      <a:latin typeface="Cambria Math" panose="02040503050406030204" pitchFamily="18" charset="0"/>
+                                    </a:rPr>
+                                  </m:ctrlPr>
+                                </m:dPr>
+                                <m:e>
+                                  <m:r>
+                                    <a:rPr lang="en-US" altLang="zh-CN" i="1">
+                                      <a:latin typeface="Cambria Math" panose="02040503050406030204" pitchFamily="18" charset="0"/>
+                                    </a:rPr>
+                                    <m:t>𝑖</m:t>
+                                  </m:r>
+                                  <m:r>
+                                    <a:rPr lang="en-US" altLang="zh-CN" i="1">
+                                      <a:latin typeface="Cambria Math" panose="02040503050406030204" pitchFamily="18" charset="0"/>
+                                    </a:rPr>
+                                    <m:t>+0.5</m:t>
+                                  </m:r>
+                                </m:e>
+                              </m:d>
+                              <m:r>
+                                <a:rPr lang="en-US" altLang="zh-CN" i="1">
+                                  <a:latin typeface="Cambria Math" panose="02040503050406030204" pitchFamily="18" charset="0"/>
+                                </a:rPr>
+                                <m:t>𝜋</m:t>
+                              </m:r>
+                            </m:num>
+                            <m:den>
+                              <m:r>
+                                <a:rPr lang="en-US" altLang="zh-CN" i="1">
+                                  <a:latin typeface="Cambria Math" panose="02040503050406030204" pitchFamily="18" charset="0"/>
+                                </a:rPr>
+                                <m:t>𝑁</m:t>
+                              </m:r>
+                            </m:den>
+                          </m:f>
+                          <m:r>
+                            <a:rPr lang="en-US" altLang="zh-CN" i="1">
+                              <a:latin typeface="Cambria Math" panose="02040503050406030204" pitchFamily="18" charset="0"/>
+                            </a:rPr>
+                            <m:t>𝑢</m:t>
+                          </m:r>
+                          <m:r>
+                            <a:rPr lang="en-US" altLang="zh-CN" i="1">
+                              <a:latin typeface="Cambria Math" panose="02040503050406030204" pitchFamily="18" charset="0"/>
+                            </a:rPr>
+                            <m:t>]</m:t>
+                          </m:r>
+                        </m:e>
+                      </m:nary>
+                      <m:r>
+                        <a:rPr lang="en-US" altLang="zh-CN" b="0" i="1" smtClean="0">
+                          <a:latin typeface="Cambria Math" panose="02040503050406030204" pitchFamily="18" charset="0"/>
+                        </a:rPr>
+                        <m:t>                </m:t>
+                      </m:r>
+                      <m:r>
+                        <a:rPr lang="en-US" altLang="zh-CN" i="1">
+                          <a:latin typeface="Cambria Math" panose="02040503050406030204" pitchFamily="18" charset="0"/>
+                        </a:rPr>
+                        <m:t>𝑐</m:t>
+                      </m:r>
+                      <m:d>
+                        <m:dPr>
+                          <m:ctrlPr>
+                            <a:rPr lang="en-US" altLang="zh-CN" i="1">
+                              <a:latin typeface="Cambria Math" panose="02040503050406030204" pitchFamily="18" charset="0"/>
+                            </a:rPr>
+                          </m:ctrlPr>
+                        </m:dPr>
+                        <m:e>
+                          <m:r>
+                            <a:rPr lang="en-US" altLang="zh-CN" i="1">
+                              <a:latin typeface="Cambria Math" panose="02040503050406030204" pitchFamily="18" charset="0"/>
+                            </a:rPr>
+                            <m:t>𝑢</m:t>
+                          </m:r>
+                        </m:e>
+                      </m:d>
+                      <m:r>
+                        <a:rPr lang="en-US" altLang="zh-CN" i="1">
+                          <a:latin typeface="Cambria Math" panose="02040503050406030204" pitchFamily="18" charset="0"/>
+                        </a:rPr>
+                        <m:t>=</m:t>
+                      </m:r>
+                      <m:d>
+                        <m:dPr>
+                          <m:begChr m:val="{"/>
+                          <m:endChr m:val=""/>
+                          <m:ctrlPr>
+                            <a:rPr lang="en-US" altLang="zh-CN" i="1">
+                              <a:latin typeface="Cambria Math" panose="02040503050406030204" pitchFamily="18" charset="0"/>
+                            </a:rPr>
+                          </m:ctrlPr>
+                        </m:dPr>
+                        <m:e>
+                          <m:eqArr>
+                            <m:eqArrPr>
+                              <m:ctrlPr>
+                                <a:rPr lang="en-US" altLang="zh-CN" i="1">
+                                  <a:latin typeface="Cambria Math" panose="02040503050406030204" pitchFamily="18" charset="0"/>
+                                </a:rPr>
+                              </m:ctrlPr>
+                            </m:eqArrPr>
+                            <m:e>
+                              <m:rad>
+                                <m:radPr>
+                                  <m:degHide m:val="on"/>
+                                  <m:ctrlPr>
+                                    <a:rPr lang="en-US" altLang="zh-CN" i="1">
+                                      <a:latin typeface="Cambria Math" panose="02040503050406030204" pitchFamily="18" charset="0"/>
+                                    </a:rPr>
+                                  </m:ctrlPr>
+                                </m:radPr>
+                                <m:deg/>
+                                <m:e>
+                                  <m:f>
+                                    <m:fPr>
+                                      <m:ctrlPr>
+                                        <a:rPr lang="en-US" altLang="zh-CN" i="1">
+                                          <a:latin typeface="Cambria Math" panose="02040503050406030204" pitchFamily="18" charset="0"/>
+                                        </a:rPr>
+                                      </m:ctrlPr>
+                                    </m:fPr>
+                                    <m:num>
+                                      <m:r>
+                                        <a:rPr lang="en-US" altLang="zh-CN" i="1">
+                                          <a:latin typeface="Cambria Math" panose="02040503050406030204" pitchFamily="18" charset="0"/>
+                                        </a:rPr>
+                                        <m:t>1</m:t>
+                                      </m:r>
+                                    </m:num>
+                                    <m:den>
+                                      <m:r>
+                                        <a:rPr lang="en-US" altLang="zh-CN" i="1">
+                                          <a:latin typeface="Cambria Math" panose="02040503050406030204" pitchFamily="18" charset="0"/>
+                                        </a:rPr>
+                                        <m:t>𝑁</m:t>
+                                      </m:r>
+                                    </m:den>
+                                  </m:f>
+                                </m:e>
+                              </m:rad>
+                              <m:r>
+                                <a:rPr lang="en-US" altLang="zh-CN" i="1">
+                                  <a:latin typeface="Cambria Math" panose="02040503050406030204" pitchFamily="18" charset="0"/>
+                                </a:rPr>
+                                <m:t>,</m:t>
+                              </m:r>
+                              <m:r>
+                                <a:rPr lang="en-US" altLang="zh-CN" i="1">
+                                  <a:latin typeface="Cambria Math" panose="02040503050406030204" pitchFamily="18" charset="0"/>
+                                </a:rPr>
+                                <m:t>𝑢</m:t>
+                              </m:r>
+                              <m:r>
+                                <a:rPr lang="en-US" altLang="zh-CN" i="1">
+                                  <a:latin typeface="Cambria Math" panose="02040503050406030204" pitchFamily="18" charset="0"/>
+                                </a:rPr>
+                                <m:t>=0</m:t>
+                              </m:r>
+                            </m:e>
+                            <m:e>
+                              <m:rad>
+                                <m:radPr>
+                                  <m:degHide m:val="on"/>
+                                  <m:ctrlPr>
+                                    <a:rPr lang="en-US" altLang="zh-CN" i="1">
+                                      <a:latin typeface="Cambria Math" panose="02040503050406030204" pitchFamily="18" charset="0"/>
+                                    </a:rPr>
+                                  </m:ctrlPr>
+                                </m:radPr>
+                                <m:deg/>
+                                <m:e>
+                                  <m:f>
+                                    <m:fPr>
+                                      <m:ctrlPr>
+                                        <a:rPr lang="en-US" altLang="zh-CN" i="1">
+                                          <a:latin typeface="Cambria Math" panose="02040503050406030204" pitchFamily="18" charset="0"/>
+                                        </a:rPr>
+                                      </m:ctrlPr>
+                                    </m:fPr>
+                                    <m:num>
+                                      <m:r>
+                                        <a:rPr lang="en-US" altLang="zh-CN" i="1">
+                                          <a:latin typeface="Cambria Math" panose="02040503050406030204" pitchFamily="18" charset="0"/>
+                                        </a:rPr>
+                                        <m:t>2</m:t>
+                                      </m:r>
+                                    </m:num>
+                                    <m:den>
+                                      <m:r>
+                                        <a:rPr lang="en-US" altLang="zh-CN" i="1">
+                                          <a:latin typeface="Cambria Math" panose="02040503050406030204" pitchFamily="18" charset="0"/>
+                                        </a:rPr>
+                                        <m:t>𝑁</m:t>
+                                      </m:r>
+                                    </m:den>
+                                  </m:f>
+                                </m:e>
+                              </m:rad>
+                              <m:r>
+                                <a:rPr lang="en-US" altLang="zh-CN" i="1">
+                                  <a:latin typeface="Cambria Math" panose="02040503050406030204" pitchFamily="18" charset="0"/>
+                                </a:rPr>
+                                <m:t>,</m:t>
+                              </m:r>
+                              <m:r>
+                                <a:rPr lang="en-US" altLang="zh-CN" i="1">
+                                  <a:latin typeface="Cambria Math" panose="02040503050406030204" pitchFamily="18" charset="0"/>
+                                </a:rPr>
+                                <m:t>𝑢</m:t>
+                              </m:r>
+                              <m:r>
+                                <a:rPr lang="en-US" altLang="zh-CN" i="1">
+                                  <a:latin typeface="Cambria Math" panose="02040503050406030204" pitchFamily="18" charset="0"/>
+                                </a:rPr>
+                                <m:t>≠0</m:t>
+                              </m:r>
+                            </m:e>
+                          </m:eqArr>
+                        </m:e>
+                      </m:d>
+                    </m:oMath>
+                  </m:oMathPara>
+                </a14:m>
+                <a:endParaRPr lang="en-US" altLang="zh-CN" dirty="0"/>
+              </a:p>
+              <a:p>
+                <a:endParaRPr lang="en-US" altLang="zh-CN" dirty="0"/>
+              </a:p>
+              <a:p>
+                <a14:m>
+                  <m:oMathPara xmlns:m="http://schemas.openxmlformats.org/officeDocument/2006/math">
+                    <m:oMathParaPr>
+                      <m:jc m:val="centerGroup"/>
+                    </m:oMathParaPr>
+                    <m:oMath xmlns:m="http://schemas.openxmlformats.org/officeDocument/2006/math">
+                      <m:r>
+                        <a:rPr lang="en-US" altLang="zh-CN" b="0" i="1" smtClean="0">
+                          <a:latin typeface="Cambria Math" panose="02040503050406030204" pitchFamily="18" charset="0"/>
+                        </a:rPr>
+                        <m:t>𝐹</m:t>
+                      </m:r>
+                      <m:d>
+                        <m:dPr>
+                          <m:ctrlPr>
+                            <a:rPr lang="en-US" altLang="zh-CN" b="0" i="1" smtClean="0">
+                              <a:latin typeface="Cambria Math" panose="02040503050406030204" pitchFamily="18" charset="0"/>
+                            </a:rPr>
+                          </m:ctrlPr>
+                        </m:dPr>
+                        <m:e>
+                          <m:r>
+                            <a:rPr lang="en-US" altLang="zh-CN" b="0" i="1" smtClean="0">
+                              <a:latin typeface="Cambria Math" panose="02040503050406030204" pitchFamily="18" charset="0"/>
+                            </a:rPr>
+                            <m:t>𝑢</m:t>
+                          </m:r>
+                          <m:r>
+                            <a:rPr lang="en-US" altLang="zh-CN" b="0" i="1" smtClean="0">
+                              <a:latin typeface="Cambria Math" panose="02040503050406030204" pitchFamily="18" charset="0"/>
+                            </a:rPr>
+                            <m:t>,</m:t>
+                          </m:r>
+                          <m:r>
+                            <a:rPr lang="en-US" altLang="zh-CN" b="0" i="1" smtClean="0">
+                              <a:latin typeface="Cambria Math" panose="02040503050406030204" pitchFamily="18" charset="0"/>
+                            </a:rPr>
+                            <m:t>𝑣</m:t>
+                          </m:r>
+                        </m:e>
+                      </m:d>
+                      <m:r>
+                        <a:rPr lang="en-US" altLang="zh-CN" b="0" i="1" smtClean="0">
+                          <a:latin typeface="Cambria Math" panose="02040503050406030204" pitchFamily="18" charset="0"/>
+                        </a:rPr>
+                        <m:t>=</m:t>
+                      </m:r>
+                      <m:r>
+                        <a:rPr lang="en-US" altLang="zh-CN" b="0" i="1" smtClean="0">
+                          <a:latin typeface="Cambria Math" panose="02040503050406030204" pitchFamily="18" charset="0"/>
+                        </a:rPr>
+                        <m:t>𝑐</m:t>
+                      </m:r>
+                      <m:d>
+                        <m:dPr>
+                          <m:ctrlPr>
+                            <a:rPr lang="en-US" altLang="zh-CN" b="0" i="1" smtClean="0">
+                              <a:latin typeface="Cambria Math" panose="02040503050406030204" pitchFamily="18" charset="0"/>
+                            </a:rPr>
+                          </m:ctrlPr>
+                        </m:dPr>
+                        <m:e>
+                          <m:r>
+                            <a:rPr lang="en-US" altLang="zh-CN" b="0" i="1" smtClean="0">
+                              <a:latin typeface="Cambria Math" panose="02040503050406030204" pitchFamily="18" charset="0"/>
+                            </a:rPr>
+                            <m:t>𝑢</m:t>
+                          </m:r>
+                        </m:e>
+                      </m:d>
+                      <m:r>
+                        <a:rPr lang="en-US" altLang="zh-CN" b="0" i="1" smtClean="0">
+                          <a:latin typeface="Cambria Math" panose="02040503050406030204" pitchFamily="18" charset="0"/>
+                        </a:rPr>
+                        <m:t>𝑐</m:t>
+                      </m:r>
+                      <m:d>
+                        <m:dPr>
+                          <m:ctrlPr>
+                            <a:rPr lang="en-US" altLang="zh-CN" b="0" i="1" smtClean="0">
+                              <a:latin typeface="Cambria Math" panose="02040503050406030204" pitchFamily="18" charset="0"/>
+                            </a:rPr>
+                          </m:ctrlPr>
+                        </m:dPr>
+                        <m:e>
+                          <m:r>
+                            <a:rPr lang="en-US" altLang="zh-CN" b="0" i="1" smtClean="0">
+                              <a:latin typeface="Cambria Math" panose="02040503050406030204" pitchFamily="18" charset="0"/>
+                            </a:rPr>
+                            <m:t>𝑣</m:t>
+                          </m:r>
+                        </m:e>
+                      </m:d>
+                      <m:nary>
+                        <m:naryPr>
+                          <m:chr m:val="∑"/>
+                          <m:ctrlPr>
+                            <a:rPr lang="en-US" altLang="zh-CN" b="0" i="1" smtClean="0">
+                              <a:latin typeface="Cambria Math" panose="02040503050406030204" pitchFamily="18" charset="0"/>
+                            </a:rPr>
+                          </m:ctrlPr>
+                        </m:naryPr>
+                        <m:sub>
+                          <m:r>
+                            <a:rPr lang="en-US" altLang="zh-CN" b="0" i="1" smtClean="0">
+                              <a:latin typeface="Cambria Math" panose="02040503050406030204" pitchFamily="18" charset="0"/>
+                            </a:rPr>
+                            <m:t>𝑖</m:t>
+                          </m:r>
+                          <m:r>
+                            <a:rPr lang="en-US" altLang="zh-CN" b="0" i="1" smtClean="0">
+                              <a:latin typeface="Cambria Math" panose="02040503050406030204" pitchFamily="18" charset="0"/>
+                            </a:rPr>
+                            <m:t>=0</m:t>
+                          </m:r>
+                        </m:sub>
+                        <m:sup>
+                          <m:r>
+                            <a:rPr lang="en-US" altLang="zh-CN" b="0" i="1" smtClean="0">
+                              <a:latin typeface="Cambria Math" panose="02040503050406030204" pitchFamily="18" charset="0"/>
+                            </a:rPr>
+                            <m:t>𝑁</m:t>
+                          </m:r>
+                          <m:r>
+                            <a:rPr lang="en-US" altLang="zh-CN" b="0" i="1" smtClean="0">
+                              <a:latin typeface="Cambria Math" panose="02040503050406030204" pitchFamily="18" charset="0"/>
+                            </a:rPr>
+                            <m:t>−1</m:t>
+                          </m:r>
+                        </m:sup>
+                        <m:e>
+                          <m:nary>
+                            <m:naryPr>
+                              <m:chr m:val="∑"/>
+                              <m:ctrlPr>
+                                <a:rPr lang="en-US" altLang="zh-CN" i="1">
+                                  <a:latin typeface="Cambria Math" panose="02040503050406030204" pitchFamily="18" charset="0"/>
+                                </a:rPr>
+                              </m:ctrlPr>
+                            </m:naryPr>
+                            <m:sub>
+                              <m:r>
+                                <a:rPr lang="en-US" altLang="zh-CN" b="0" i="1" smtClean="0">
+                                  <a:latin typeface="Cambria Math" panose="02040503050406030204" pitchFamily="18" charset="0"/>
+                                </a:rPr>
+                                <m:t>𝑗</m:t>
+                              </m:r>
+                              <m:r>
+                                <a:rPr lang="en-US" altLang="zh-CN" i="1">
+                                  <a:latin typeface="Cambria Math" panose="02040503050406030204" pitchFamily="18" charset="0"/>
+                                </a:rPr>
+                                <m:t>=0</m:t>
+                              </m:r>
+                            </m:sub>
+                            <m:sup>
+                              <m:r>
+                                <a:rPr lang="en-US" altLang="zh-CN" i="1">
+                                  <a:latin typeface="Cambria Math" panose="02040503050406030204" pitchFamily="18" charset="0"/>
+                                </a:rPr>
+                                <m:t>𝑁</m:t>
+                              </m:r>
+                              <m:r>
+                                <a:rPr lang="en-US" altLang="zh-CN" i="1">
+                                  <a:latin typeface="Cambria Math" panose="02040503050406030204" pitchFamily="18" charset="0"/>
+                                </a:rPr>
+                                <m:t>−1</m:t>
+                              </m:r>
+                            </m:sup>
+                            <m:e>
+                              <m:r>
+                                <a:rPr lang="en-US" altLang="zh-CN" i="1">
+                                  <a:latin typeface="Cambria Math" panose="02040503050406030204" pitchFamily="18" charset="0"/>
+                                </a:rPr>
+                                <m:t>𝑓</m:t>
+                              </m:r>
+                              <m:d>
+                                <m:dPr>
+                                  <m:ctrlPr>
+                                    <a:rPr lang="en-US" altLang="zh-CN" i="1">
+                                      <a:latin typeface="Cambria Math" panose="02040503050406030204" pitchFamily="18" charset="0"/>
+                                    </a:rPr>
+                                  </m:ctrlPr>
+                                </m:dPr>
+                                <m:e>
+                                  <m:r>
+                                    <a:rPr lang="en-US" altLang="zh-CN" i="1">
+                                      <a:latin typeface="Cambria Math" panose="02040503050406030204" pitchFamily="18" charset="0"/>
+                                    </a:rPr>
+                                    <m:t>𝑖</m:t>
+                                  </m:r>
+                                  <m:r>
+                                    <a:rPr lang="en-US" altLang="zh-CN" b="0" i="1" smtClean="0">
+                                      <a:latin typeface="Cambria Math" panose="02040503050406030204" pitchFamily="18" charset="0"/>
+                                    </a:rPr>
+                                    <m:t>,</m:t>
+                                  </m:r>
+                                  <m:r>
+                                    <a:rPr lang="en-US" altLang="zh-CN" b="0" i="1" smtClean="0">
+                                      <a:latin typeface="Cambria Math" panose="02040503050406030204" pitchFamily="18" charset="0"/>
+                                    </a:rPr>
+                                    <m:t>𝑗</m:t>
+                                  </m:r>
+                                </m:e>
+                              </m:d>
+                              <m:r>
+                                <m:rPr>
+                                  <m:sty m:val="p"/>
+                                </m:rPr>
+                                <a:rPr lang="en-US" altLang="zh-CN">
+                                  <a:latin typeface="Cambria Math" panose="02040503050406030204" pitchFamily="18" charset="0"/>
+                                </a:rPr>
+                                <m:t>cos</m:t>
+                              </m:r>
+                              <m:r>
+                                <a:rPr lang="en-US" altLang="zh-CN" i="1">
+                                  <a:latin typeface="Cambria Math" panose="02040503050406030204" pitchFamily="18" charset="0"/>
+                                </a:rPr>
+                                <m:t>⁡[</m:t>
+                              </m:r>
+                              <m:f>
+                                <m:fPr>
+                                  <m:ctrlPr>
+                                    <a:rPr lang="en-US" altLang="zh-CN" i="1">
+                                      <a:latin typeface="Cambria Math" panose="02040503050406030204" pitchFamily="18" charset="0"/>
+                                    </a:rPr>
+                                  </m:ctrlPr>
+                                </m:fPr>
+                                <m:num>
+                                  <m:d>
+                                    <m:dPr>
+                                      <m:ctrlPr>
+                                        <a:rPr lang="en-US" altLang="zh-CN" i="1">
+                                          <a:latin typeface="Cambria Math" panose="02040503050406030204" pitchFamily="18" charset="0"/>
+                                        </a:rPr>
+                                      </m:ctrlPr>
+                                    </m:dPr>
+                                    <m:e>
+                                      <m:r>
+                                        <a:rPr lang="en-US" altLang="zh-CN" i="1">
+                                          <a:latin typeface="Cambria Math" panose="02040503050406030204" pitchFamily="18" charset="0"/>
+                                        </a:rPr>
+                                        <m:t>𝑖</m:t>
+                                      </m:r>
+                                      <m:r>
+                                        <a:rPr lang="en-US" altLang="zh-CN" i="1">
+                                          <a:latin typeface="Cambria Math" panose="02040503050406030204" pitchFamily="18" charset="0"/>
+                                        </a:rPr>
+                                        <m:t>+0.5</m:t>
+                                      </m:r>
+                                    </m:e>
+                                  </m:d>
+                                  <m:r>
+                                    <a:rPr lang="en-US" altLang="zh-CN" i="1">
+                                      <a:latin typeface="Cambria Math" panose="02040503050406030204" pitchFamily="18" charset="0"/>
+                                    </a:rPr>
+                                    <m:t>𝜋</m:t>
+                                  </m:r>
+                                </m:num>
+                                <m:den>
+                                  <m:r>
+                                    <a:rPr lang="en-US" altLang="zh-CN" i="1">
+                                      <a:latin typeface="Cambria Math" panose="02040503050406030204" pitchFamily="18" charset="0"/>
+                                    </a:rPr>
+                                    <m:t>𝑁</m:t>
+                                  </m:r>
+                                </m:den>
+                              </m:f>
+                              <m:r>
+                                <a:rPr lang="en-US" altLang="zh-CN" i="1">
+                                  <a:latin typeface="Cambria Math" panose="02040503050406030204" pitchFamily="18" charset="0"/>
+                                </a:rPr>
+                                <m:t>𝑢</m:t>
+                              </m:r>
+                              <m:r>
+                                <a:rPr lang="en-US" altLang="zh-CN" i="1">
+                                  <a:latin typeface="Cambria Math" panose="02040503050406030204" pitchFamily="18" charset="0"/>
+                                </a:rPr>
+                                <m:t>]</m:t>
+                              </m:r>
+                              <m:r>
+                                <m:rPr>
+                                  <m:sty m:val="p"/>
+                                </m:rPr>
+                                <a:rPr lang="en-US" altLang="zh-CN">
+                                  <a:latin typeface="Cambria Math" panose="02040503050406030204" pitchFamily="18" charset="0"/>
+                                </a:rPr>
+                                <m:t>cos</m:t>
+                              </m:r>
+                              <m:r>
+                                <a:rPr lang="en-US" altLang="zh-CN" i="1">
+                                  <a:latin typeface="Cambria Math" panose="02040503050406030204" pitchFamily="18" charset="0"/>
+                                </a:rPr>
+                                <m:t>⁡[</m:t>
+                              </m:r>
+                              <m:f>
+                                <m:fPr>
+                                  <m:ctrlPr>
+                                    <a:rPr lang="en-US" altLang="zh-CN" i="1">
+                                      <a:latin typeface="Cambria Math" panose="02040503050406030204" pitchFamily="18" charset="0"/>
+                                    </a:rPr>
+                                  </m:ctrlPr>
+                                </m:fPr>
+                                <m:num>
+                                  <m:d>
+                                    <m:dPr>
+                                      <m:ctrlPr>
+                                        <a:rPr lang="en-US" altLang="zh-CN" i="1">
+                                          <a:latin typeface="Cambria Math" panose="02040503050406030204" pitchFamily="18" charset="0"/>
+                                        </a:rPr>
+                                      </m:ctrlPr>
+                                    </m:dPr>
+                                    <m:e>
+                                      <m:r>
+                                        <a:rPr lang="en-US" altLang="zh-CN" b="0" i="1" smtClean="0">
+                                          <a:latin typeface="Cambria Math" panose="02040503050406030204" pitchFamily="18" charset="0"/>
+                                        </a:rPr>
+                                        <m:t>𝑗</m:t>
+                                      </m:r>
+                                      <m:r>
+                                        <a:rPr lang="en-US" altLang="zh-CN" i="1">
+                                          <a:latin typeface="Cambria Math" panose="02040503050406030204" pitchFamily="18" charset="0"/>
+                                        </a:rPr>
+                                        <m:t>+0.5</m:t>
+                                      </m:r>
+                                    </m:e>
+                                  </m:d>
+                                  <m:r>
+                                    <a:rPr lang="en-US" altLang="zh-CN" i="1">
+                                      <a:latin typeface="Cambria Math" panose="02040503050406030204" pitchFamily="18" charset="0"/>
+                                    </a:rPr>
+                                    <m:t>𝜋</m:t>
+                                  </m:r>
+                                </m:num>
+                                <m:den>
+                                  <m:r>
+                                    <a:rPr lang="en-US" altLang="zh-CN" i="1">
+                                      <a:latin typeface="Cambria Math" panose="02040503050406030204" pitchFamily="18" charset="0"/>
+                                    </a:rPr>
+                                    <m:t>𝑁</m:t>
+                                  </m:r>
+                                </m:den>
+                              </m:f>
+                              <m:r>
+                                <a:rPr lang="en-US" altLang="zh-CN" b="0" i="1" smtClean="0">
+                                  <a:latin typeface="Cambria Math" panose="02040503050406030204" pitchFamily="18" charset="0"/>
+                                </a:rPr>
+                                <m:t>𝑣</m:t>
+                              </m:r>
+                              <m:r>
+                                <a:rPr lang="en-US" altLang="zh-CN" i="1">
+                                  <a:latin typeface="Cambria Math" panose="02040503050406030204" pitchFamily="18" charset="0"/>
+                                </a:rPr>
+                                <m:t>]</m:t>
+                              </m:r>
+                            </m:e>
+                          </m:nary>
+                        </m:e>
+                      </m:nary>
+                    </m:oMath>
+                  </m:oMathPara>
+                </a14:m>
+                <a:endParaRPr lang="zh-CN" altLang="en-US" dirty="0"/>
+              </a:p>
+              <a:p>
+                <a:endParaRPr lang="zh-CN" altLang="en-US" dirty="0"/>
+              </a:p>
+            </p:txBody>
+          </p:sp>
+        </mc:Choice>
+        <mc:Fallback>
+          <p:sp>
+            <p:nvSpPr>
+              <p:cNvPr id="5" name="文本框 4">
+                <a:extLst>
+                  <a:ext uri="{FF2B5EF4-FFF2-40B4-BE49-F238E27FC236}">
+                    <a16:creationId xmlns:a16="http://schemas.microsoft.com/office/drawing/2014/main" id="{9F2AC66D-BBC1-4419-A0A6-42D0CD79AC79}"/>
+                  </a:ext>
+                </a:extLst>
+              </p:cNvPr>
+              <p:cNvSpPr txBox="1">
+                <a:spLocks noRot="1" noChangeAspect="1" noMove="1" noResize="1" noEditPoints="1" noAdjustHandles="1" noChangeArrowheads="1" noChangeShapeType="1" noTextEdit="1"/>
+              </p:cNvSpPr>
+              <p:nvPr/>
+            </p:nvSpPr>
+            <p:spPr>
+              <a:xfrm>
+                <a:off x="958362" y="1143000"/>
+                <a:ext cx="10515600" cy="3805465"/>
+              </a:xfrm>
+              <a:prstGeom prst="rect">
+                <a:avLst/>
+              </a:prstGeom>
+              <a:blipFill>
+                <a:blip r:embed="rId2"/>
+                <a:stretch>
+                  <a:fillRect l="-870" t="-1122" r="-3594"/>
+                </a:stretch>
+              </a:blipFill>
+            </p:spPr>
+            <p:txBody>
+              <a:bodyPr/>
+              <a:lstStyle/>
+              <a:p>
+                <a:r>
+                  <a:rPr lang="zh-CN" altLang="en-US">
+                    <a:noFill/>
+                  </a:rPr>
+                  <a:t> </a:t>
+                </a:r>
+              </a:p>
+            </p:txBody>
+          </p:sp>
+        </mc:Fallback>
+      </mc:AlternateContent>
+      <p:grpSp>
+        <p:nvGrpSpPr>
+          <p:cNvPr id="65" name="组合 64">
+            <a:extLst>
+              <a:ext uri="{FF2B5EF4-FFF2-40B4-BE49-F238E27FC236}">
+                <a16:creationId xmlns:a16="http://schemas.microsoft.com/office/drawing/2014/main" id="{6016CFF8-B1E2-41CC-B6A7-8D58F52F3462}"/>
+              </a:ext>
+            </a:extLst>
+          </p:cNvPr>
+          <p:cNvGrpSpPr/>
+          <p:nvPr/>
+        </p:nvGrpSpPr>
+        <p:grpSpPr>
+          <a:xfrm>
+            <a:off x="754754" y="4948465"/>
+            <a:ext cx="10682492" cy="1264493"/>
+            <a:chOff x="542104" y="4818815"/>
+            <a:chExt cx="10682492" cy="1264493"/>
+          </a:xfrm>
+        </p:grpSpPr>
+        <p:sp>
+          <p:nvSpPr>
+            <p:cNvPr id="7" name="矩形: 圆角 6">
+              <a:extLst>
+                <a:ext uri="{FF2B5EF4-FFF2-40B4-BE49-F238E27FC236}">
+                  <a16:creationId xmlns:a16="http://schemas.microsoft.com/office/drawing/2014/main" id="{784E44B6-3EEB-479A-9D0D-4C6DC2D8E028}"/>
+                </a:ext>
+              </a:extLst>
+            </p:cNvPr>
+            <p:cNvSpPr/>
+            <p:nvPr/>
+          </p:nvSpPr>
+          <p:spPr>
+            <a:xfrm>
+              <a:off x="1862658" y="5499586"/>
+              <a:ext cx="716621" cy="430823"/>
+            </a:xfrm>
+            <a:prstGeom prst="roundRect">
+              <a:avLst/>
+            </a:prstGeom>
+            <a:solidFill>
+              <a:schemeClr val="bg1"/>
+            </a:solidFill>
+            <a:ln>
+              <a:solidFill>
+                <a:schemeClr val="tx1"/>
+              </a:solidFill>
+            </a:ln>
+          </p:spPr>
+          <p:style>
+            <a:lnRef idx="2">
+              <a:schemeClr val="accent1">
+                <a:shade val="50000"/>
+              </a:schemeClr>
+            </a:lnRef>
+            <a:fillRef idx="1">
+              <a:schemeClr val="accent1"/>
+            </a:fillRef>
+            <a:effectRef idx="0">
+              <a:schemeClr val="accent1"/>
+            </a:effectRef>
+            <a:fontRef idx="minor">
+              <a:schemeClr val="lt1"/>
+            </a:fontRef>
+          </p:style>
+          <p:txBody>
+            <a:bodyPr rtlCol="0" anchor="ctr"/>
+            <a:lstStyle/>
+            <a:p>
+              <a:pPr algn="ctr"/>
+              <a:r>
+                <a:rPr lang="en-US" altLang="zh-CN" dirty="0">
+                  <a:solidFill>
+                    <a:schemeClr val="tx1"/>
+                  </a:solidFill>
+                </a:rPr>
+                <a:t>DCT</a:t>
+              </a:r>
+              <a:endParaRPr lang="zh-CN" altLang="en-US" dirty="0">
+                <a:solidFill>
+                  <a:schemeClr val="tx1"/>
+                </a:solidFill>
+              </a:endParaRPr>
+            </a:p>
+          </p:txBody>
+        </p:sp>
+        <p:sp>
+          <p:nvSpPr>
+            <p:cNvPr id="8" name="矩形: 圆角 7">
+              <a:extLst>
+                <a:ext uri="{FF2B5EF4-FFF2-40B4-BE49-F238E27FC236}">
+                  <a16:creationId xmlns:a16="http://schemas.microsoft.com/office/drawing/2014/main" id="{DBE4A923-5E21-427D-B94A-F4B571ECC994}"/>
+                </a:ext>
+              </a:extLst>
+            </p:cNvPr>
+            <p:cNvSpPr/>
+            <p:nvPr/>
+          </p:nvSpPr>
+          <p:spPr>
+            <a:xfrm>
+              <a:off x="2934845" y="5499586"/>
+              <a:ext cx="1220070" cy="430823"/>
+            </a:xfrm>
+            <a:prstGeom prst="roundRect">
+              <a:avLst/>
+            </a:prstGeom>
+            <a:solidFill>
+              <a:schemeClr val="bg1"/>
+            </a:solidFill>
+            <a:ln>
+              <a:solidFill>
+                <a:schemeClr val="tx1"/>
+              </a:solidFill>
+            </a:ln>
+          </p:spPr>
+          <p:style>
+            <a:lnRef idx="2">
+              <a:schemeClr val="accent1">
+                <a:shade val="50000"/>
+              </a:schemeClr>
+            </a:lnRef>
+            <a:fillRef idx="1">
+              <a:schemeClr val="accent1"/>
+            </a:fillRef>
+            <a:effectRef idx="0">
+              <a:schemeClr val="accent1"/>
+            </a:effectRef>
+            <a:fontRef idx="minor">
+              <a:schemeClr val="lt1"/>
+            </a:fontRef>
+          </p:style>
+          <p:txBody>
+            <a:bodyPr rtlCol="0" anchor="ctr"/>
+            <a:lstStyle/>
+            <a:p>
+              <a:pPr algn="ctr"/>
+              <a:r>
+                <a:rPr lang="zh-CN" altLang="en-US" dirty="0">
+                  <a:solidFill>
+                    <a:schemeClr val="tx1"/>
+                  </a:solidFill>
+                </a:rPr>
+                <a:t>信息嵌入</a:t>
+              </a:r>
+            </a:p>
+          </p:txBody>
+        </p:sp>
+        <p:sp>
+          <p:nvSpPr>
+            <p:cNvPr id="9" name="矩形: 圆角 8">
+              <a:extLst>
+                <a:ext uri="{FF2B5EF4-FFF2-40B4-BE49-F238E27FC236}">
+                  <a16:creationId xmlns:a16="http://schemas.microsoft.com/office/drawing/2014/main" id="{4671592F-908B-4C48-A4F7-FFA9F0B6B9D4}"/>
+                </a:ext>
+              </a:extLst>
+            </p:cNvPr>
+            <p:cNvSpPr/>
+            <p:nvPr/>
+          </p:nvSpPr>
+          <p:spPr>
+            <a:xfrm>
+              <a:off x="4505000" y="5499586"/>
+              <a:ext cx="755549" cy="430823"/>
+            </a:xfrm>
+            <a:prstGeom prst="roundRect">
+              <a:avLst/>
+            </a:prstGeom>
+            <a:solidFill>
+              <a:schemeClr val="bg1"/>
+            </a:solidFill>
+            <a:ln>
+              <a:solidFill>
+                <a:schemeClr val="tx1"/>
+              </a:solidFill>
+            </a:ln>
+          </p:spPr>
+          <p:style>
+            <a:lnRef idx="2">
+              <a:schemeClr val="accent1">
+                <a:shade val="50000"/>
+              </a:schemeClr>
+            </a:lnRef>
+            <a:fillRef idx="1">
+              <a:schemeClr val="accent1"/>
+            </a:fillRef>
+            <a:effectRef idx="0">
+              <a:schemeClr val="accent1"/>
+            </a:effectRef>
+            <a:fontRef idx="minor">
+              <a:schemeClr val="lt1"/>
+            </a:fontRef>
+          </p:style>
+          <p:txBody>
+            <a:bodyPr rtlCol="0" anchor="ctr"/>
+            <a:lstStyle/>
+            <a:p>
+              <a:pPr algn="ctr"/>
+              <a:r>
+                <a:rPr lang="en-US" altLang="zh-CN" dirty="0">
+                  <a:solidFill>
+                    <a:schemeClr val="tx1"/>
+                  </a:solidFill>
+                </a:rPr>
+                <a:t>IDCT</a:t>
+              </a:r>
+              <a:endParaRPr lang="zh-CN" altLang="en-US" dirty="0">
+                <a:solidFill>
+                  <a:schemeClr val="tx1"/>
+                </a:solidFill>
+              </a:endParaRPr>
+            </a:p>
+          </p:txBody>
+        </p:sp>
+        <p:cxnSp>
+          <p:nvCxnSpPr>
+            <p:cNvPr id="11" name="直接箭头连接符 10">
+              <a:extLst>
+                <a:ext uri="{FF2B5EF4-FFF2-40B4-BE49-F238E27FC236}">
+                  <a16:creationId xmlns:a16="http://schemas.microsoft.com/office/drawing/2014/main" id="{232A001F-59E9-4D38-8B04-70F91497B4B9}"/>
+                </a:ext>
+              </a:extLst>
+            </p:cNvPr>
+            <p:cNvCxnSpPr>
+              <a:cxnSpLocks/>
+              <a:stCxn id="7" idx="3"/>
+              <a:endCxn id="8" idx="1"/>
+            </p:cNvCxnSpPr>
+            <p:nvPr/>
+          </p:nvCxnSpPr>
+          <p:spPr>
+            <a:xfrm>
+              <a:off x="2579279" y="5714998"/>
+              <a:ext cx="355566" cy="0"/>
+            </a:xfrm>
+            <a:prstGeom prst="straightConnector1">
+              <a:avLst/>
+            </a:prstGeom>
+            <a:ln>
+              <a:solidFill>
+                <a:schemeClr val="tx1"/>
+              </a:solidFill>
+              <a:tailEnd type="triangle"/>
+            </a:ln>
+          </p:spPr>
+          <p:style>
+            <a:lnRef idx="1">
+              <a:schemeClr val="accent1"/>
+            </a:lnRef>
+            <a:fillRef idx="0">
+              <a:schemeClr val="accent1"/>
+            </a:fillRef>
+            <a:effectRef idx="0">
+              <a:schemeClr val="accent1"/>
+            </a:effectRef>
+            <a:fontRef idx="minor">
+              <a:schemeClr val="tx1"/>
+            </a:fontRef>
+          </p:style>
+        </p:cxnSp>
+        <p:cxnSp>
+          <p:nvCxnSpPr>
+            <p:cNvPr id="13" name="直接箭头连接符 12">
+              <a:extLst>
+                <a:ext uri="{FF2B5EF4-FFF2-40B4-BE49-F238E27FC236}">
+                  <a16:creationId xmlns:a16="http://schemas.microsoft.com/office/drawing/2014/main" id="{191B4659-1FD1-49A1-94F1-892BF1262019}"/>
+                </a:ext>
+              </a:extLst>
+            </p:cNvPr>
+            <p:cNvCxnSpPr>
+              <a:cxnSpLocks/>
+              <a:stCxn id="8" idx="3"/>
+              <a:endCxn id="9" idx="1"/>
+            </p:cNvCxnSpPr>
+            <p:nvPr/>
+          </p:nvCxnSpPr>
+          <p:spPr>
+            <a:xfrm>
+              <a:off x="4154915" y="5714998"/>
+              <a:ext cx="350085" cy="0"/>
+            </a:xfrm>
+            <a:prstGeom prst="straightConnector1">
+              <a:avLst/>
+            </a:prstGeom>
+            <a:ln>
+              <a:solidFill>
+                <a:schemeClr val="tx1"/>
+              </a:solidFill>
+              <a:tailEnd type="triangle"/>
+            </a:ln>
+          </p:spPr>
+          <p:style>
+            <a:lnRef idx="1">
+              <a:schemeClr val="accent1"/>
+            </a:lnRef>
+            <a:fillRef idx="0">
+              <a:schemeClr val="accent1"/>
+            </a:fillRef>
+            <a:effectRef idx="0">
+              <a:schemeClr val="accent1"/>
+            </a:effectRef>
+            <a:fontRef idx="minor">
+              <a:schemeClr val="tx1"/>
+            </a:fontRef>
+          </p:style>
+        </p:cxnSp>
+        <p:sp>
+          <p:nvSpPr>
+            <p:cNvPr id="16" name="矩形: 圆角 15">
+              <a:extLst>
+                <a:ext uri="{FF2B5EF4-FFF2-40B4-BE49-F238E27FC236}">
+                  <a16:creationId xmlns:a16="http://schemas.microsoft.com/office/drawing/2014/main" id="{C79FC08A-64C6-4D3C-AC51-C6E5889F4E46}"/>
+                </a:ext>
+              </a:extLst>
+            </p:cNvPr>
+            <p:cNvSpPr/>
+            <p:nvPr/>
+          </p:nvSpPr>
+          <p:spPr>
+            <a:xfrm>
+              <a:off x="6936023" y="5499588"/>
+              <a:ext cx="645585" cy="430823"/>
+            </a:xfrm>
+            <a:prstGeom prst="roundRect">
+              <a:avLst/>
+            </a:prstGeom>
+            <a:solidFill>
+              <a:schemeClr val="bg1"/>
+            </a:solidFill>
+            <a:ln>
+              <a:solidFill>
+                <a:schemeClr val="tx1"/>
+              </a:solidFill>
+            </a:ln>
+          </p:spPr>
+          <p:style>
+            <a:lnRef idx="2">
+              <a:schemeClr val="accent1">
+                <a:shade val="50000"/>
+              </a:schemeClr>
+            </a:lnRef>
+            <a:fillRef idx="1">
+              <a:schemeClr val="accent1"/>
+            </a:fillRef>
+            <a:effectRef idx="0">
+              <a:schemeClr val="accent1"/>
+            </a:effectRef>
+            <a:fontRef idx="minor">
+              <a:schemeClr val="lt1"/>
+            </a:fontRef>
+          </p:style>
+          <p:txBody>
+            <a:bodyPr rtlCol="0" anchor="ctr"/>
+            <a:lstStyle/>
+            <a:p>
+              <a:pPr algn="ctr"/>
+              <a:r>
+                <a:rPr lang="en-US" altLang="zh-CN" dirty="0">
+                  <a:solidFill>
+                    <a:schemeClr val="tx1"/>
+                  </a:solidFill>
+                </a:rPr>
+                <a:t>DCT</a:t>
+              </a:r>
+              <a:endParaRPr lang="zh-CN" altLang="en-US" dirty="0">
+                <a:solidFill>
+                  <a:schemeClr val="tx1"/>
+                </a:solidFill>
+              </a:endParaRPr>
+            </a:p>
+          </p:txBody>
+        </p:sp>
+        <p:sp>
+          <p:nvSpPr>
+            <p:cNvPr id="17" name="矩形: 圆角 16">
+              <a:extLst>
+                <a:ext uri="{FF2B5EF4-FFF2-40B4-BE49-F238E27FC236}">
+                  <a16:creationId xmlns:a16="http://schemas.microsoft.com/office/drawing/2014/main" id="{ABE0B5F7-468F-4D9C-BF9E-EA72ABEDE392}"/>
+                </a:ext>
+              </a:extLst>
+            </p:cNvPr>
+            <p:cNvSpPr/>
+            <p:nvPr/>
+          </p:nvSpPr>
+          <p:spPr>
+            <a:xfrm>
+              <a:off x="7941571" y="5499585"/>
+              <a:ext cx="1142499" cy="430823"/>
+            </a:xfrm>
+            <a:prstGeom prst="roundRect">
+              <a:avLst/>
+            </a:prstGeom>
+            <a:solidFill>
+              <a:schemeClr val="bg1"/>
+            </a:solidFill>
+            <a:ln>
+              <a:solidFill>
+                <a:schemeClr val="tx1"/>
+              </a:solidFill>
+            </a:ln>
+          </p:spPr>
+          <p:style>
+            <a:lnRef idx="2">
+              <a:schemeClr val="accent1">
+                <a:shade val="50000"/>
+              </a:schemeClr>
+            </a:lnRef>
+            <a:fillRef idx="1">
+              <a:schemeClr val="accent1"/>
+            </a:fillRef>
+            <a:effectRef idx="0">
+              <a:schemeClr val="accent1"/>
+            </a:effectRef>
+            <a:fontRef idx="minor">
+              <a:schemeClr val="lt1"/>
+            </a:fontRef>
+          </p:style>
+          <p:txBody>
+            <a:bodyPr rtlCol="0" anchor="ctr"/>
+            <a:lstStyle/>
+            <a:p>
+              <a:pPr algn="ctr"/>
+              <a:r>
+                <a:rPr lang="zh-CN" altLang="en-US" dirty="0">
+                  <a:solidFill>
+                    <a:schemeClr val="tx1"/>
+                  </a:solidFill>
+                </a:rPr>
+                <a:t>信息提取</a:t>
+              </a:r>
+            </a:p>
+          </p:txBody>
+        </p:sp>
+        <p:sp>
+          <p:nvSpPr>
+            <p:cNvPr id="18" name="矩形: 圆角 17">
+              <a:extLst>
+                <a:ext uri="{FF2B5EF4-FFF2-40B4-BE49-F238E27FC236}">
+                  <a16:creationId xmlns:a16="http://schemas.microsoft.com/office/drawing/2014/main" id="{96AC6941-B0BB-479A-ABAA-FF89C3663BB5}"/>
+                </a:ext>
+              </a:extLst>
+            </p:cNvPr>
+            <p:cNvSpPr/>
+            <p:nvPr/>
+          </p:nvSpPr>
+          <p:spPr>
+            <a:xfrm>
+              <a:off x="9444033" y="5494482"/>
+              <a:ext cx="710300" cy="430823"/>
+            </a:xfrm>
+            <a:prstGeom prst="roundRect">
+              <a:avLst/>
+            </a:prstGeom>
+            <a:solidFill>
+              <a:schemeClr val="bg1"/>
+            </a:solidFill>
+            <a:ln>
+              <a:solidFill>
+                <a:schemeClr val="tx1"/>
+              </a:solidFill>
+            </a:ln>
+          </p:spPr>
+          <p:style>
+            <a:lnRef idx="2">
+              <a:schemeClr val="accent1">
+                <a:shade val="50000"/>
+              </a:schemeClr>
+            </a:lnRef>
+            <a:fillRef idx="1">
+              <a:schemeClr val="accent1"/>
+            </a:fillRef>
+            <a:effectRef idx="0">
+              <a:schemeClr val="accent1"/>
+            </a:effectRef>
+            <a:fontRef idx="minor">
+              <a:schemeClr val="lt1"/>
+            </a:fontRef>
+          </p:style>
+          <p:txBody>
+            <a:bodyPr rtlCol="0" anchor="ctr"/>
+            <a:lstStyle/>
+            <a:p>
+              <a:pPr algn="ctr"/>
+              <a:r>
+                <a:rPr lang="en-US" altLang="zh-CN" dirty="0">
+                  <a:solidFill>
+                    <a:schemeClr val="tx1"/>
+                  </a:solidFill>
+                </a:rPr>
+                <a:t>IDCT</a:t>
+              </a:r>
+              <a:endParaRPr lang="zh-CN" altLang="en-US" dirty="0">
+                <a:solidFill>
+                  <a:schemeClr val="tx1"/>
+                </a:solidFill>
+              </a:endParaRPr>
+            </a:p>
+          </p:txBody>
+        </p:sp>
+        <p:cxnSp>
+          <p:nvCxnSpPr>
+            <p:cNvPr id="19" name="直接箭头连接符 18">
+              <a:extLst>
+                <a:ext uri="{FF2B5EF4-FFF2-40B4-BE49-F238E27FC236}">
+                  <a16:creationId xmlns:a16="http://schemas.microsoft.com/office/drawing/2014/main" id="{65893445-AD9D-4037-84A8-12FDE9AB4B6D}"/>
+                </a:ext>
+              </a:extLst>
+            </p:cNvPr>
+            <p:cNvCxnSpPr>
+              <a:cxnSpLocks/>
+              <a:stCxn id="16" idx="3"/>
+              <a:endCxn id="17" idx="1"/>
+            </p:cNvCxnSpPr>
+            <p:nvPr/>
+          </p:nvCxnSpPr>
+          <p:spPr>
+            <a:xfrm flipV="1">
+              <a:off x="7581608" y="5714997"/>
+              <a:ext cx="359963" cy="3"/>
+            </a:xfrm>
+            <a:prstGeom prst="straightConnector1">
+              <a:avLst/>
+            </a:prstGeom>
+            <a:ln>
+              <a:solidFill>
+                <a:schemeClr val="tx1"/>
+              </a:solidFill>
+              <a:tailEnd type="triangle"/>
+            </a:ln>
+          </p:spPr>
+          <p:style>
+            <a:lnRef idx="1">
+              <a:schemeClr val="accent1"/>
+            </a:lnRef>
+            <a:fillRef idx="0">
+              <a:schemeClr val="accent1"/>
+            </a:fillRef>
+            <a:effectRef idx="0">
+              <a:schemeClr val="accent1"/>
+            </a:effectRef>
+            <a:fontRef idx="minor">
+              <a:schemeClr val="tx1"/>
+            </a:fontRef>
+          </p:style>
+        </p:cxnSp>
+        <p:cxnSp>
+          <p:nvCxnSpPr>
+            <p:cNvPr id="20" name="直接箭头连接符 19">
+              <a:extLst>
+                <a:ext uri="{FF2B5EF4-FFF2-40B4-BE49-F238E27FC236}">
+                  <a16:creationId xmlns:a16="http://schemas.microsoft.com/office/drawing/2014/main" id="{B3010F84-7633-4744-A6D0-9DD5A7C71708}"/>
+                </a:ext>
+              </a:extLst>
+            </p:cNvPr>
+            <p:cNvCxnSpPr>
+              <a:cxnSpLocks/>
+              <a:stCxn id="17" idx="3"/>
+              <a:endCxn id="18" idx="1"/>
+            </p:cNvCxnSpPr>
+            <p:nvPr/>
+          </p:nvCxnSpPr>
+          <p:spPr>
+            <a:xfrm flipV="1">
+              <a:off x="9084070" y="5709894"/>
+              <a:ext cx="359963" cy="5103"/>
+            </a:xfrm>
+            <a:prstGeom prst="straightConnector1">
+              <a:avLst/>
+            </a:prstGeom>
+            <a:ln>
+              <a:solidFill>
+                <a:schemeClr val="tx1"/>
+              </a:solidFill>
+              <a:tailEnd type="triangle"/>
+            </a:ln>
+          </p:spPr>
+          <p:style>
+            <a:lnRef idx="1">
+              <a:schemeClr val="accent1"/>
+            </a:lnRef>
+            <a:fillRef idx="0">
+              <a:schemeClr val="accent1"/>
+            </a:fillRef>
+            <a:effectRef idx="0">
+              <a:schemeClr val="accent1"/>
+            </a:effectRef>
+            <a:fontRef idx="minor">
+              <a:schemeClr val="tx1"/>
+            </a:fontRef>
+          </p:style>
+        </p:cxnSp>
+        <p:sp>
+          <p:nvSpPr>
+            <p:cNvPr id="21" name="矩形 20">
+              <a:extLst>
+                <a:ext uri="{FF2B5EF4-FFF2-40B4-BE49-F238E27FC236}">
+                  <a16:creationId xmlns:a16="http://schemas.microsoft.com/office/drawing/2014/main" id="{E4FCCD54-8ED4-42BE-B6AF-C1C28531AA09}"/>
+                </a:ext>
+              </a:extLst>
+            </p:cNvPr>
+            <p:cNvSpPr/>
+            <p:nvPr/>
+          </p:nvSpPr>
+          <p:spPr>
+            <a:xfrm>
+              <a:off x="5615940" y="5346686"/>
+              <a:ext cx="960120" cy="736622"/>
+            </a:xfrm>
+            <a:prstGeom prst="rect">
+              <a:avLst/>
+            </a:prstGeom>
+            <a:solidFill>
+              <a:schemeClr val="bg1"/>
+            </a:solidFill>
+            <a:ln>
+              <a:solidFill>
+                <a:schemeClr val="tx1"/>
+              </a:solidFill>
+            </a:ln>
+          </p:spPr>
+          <p:style>
+            <a:lnRef idx="2">
+              <a:schemeClr val="accent1">
+                <a:shade val="50000"/>
+              </a:schemeClr>
+            </a:lnRef>
+            <a:fillRef idx="1">
+              <a:schemeClr val="accent1"/>
+            </a:fillRef>
+            <a:effectRef idx="0">
+              <a:schemeClr val="accent1"/>
+            </a:effectRef>
+            <a:fontRef idx="minor">
+              <a:schemeClr val="lt1"/>
+            </a:fontRef>
+          </p:style>
+          <p:txBody>
+            <a:bodyPr rtlCol="0" anchor="ctr"/>
+            <a:lstStyle/>
+            <a:p>
+              <a:pPr algn="ctr"/>
+              <a:r>
+                <a:rPr lang="zh-CN" altLang="en-US" dirty="0">
+                  <a:solidFill>
+                    <a:schemeClr val="tx1"/>
+                  </a:solidFill>
+                </a:rPr>
+                <a:t>带信息信号</a:t>
+              </a:r>
+            </a:p>
+          </p:txBody>
+        </p:sp>
+        <p:cxnSp>
+          <p:nvCxnSpPr>
+            <p:cNvPr id="23" name="直接箭头连接符 22">
+              <a:extLst>
+                <a:ext uri="{FF2B5EF4-FFF2-40B4-BE49-F238E27FC236}">
+                  <a16:creationId xmlns:a16="http://schemas.microsoft.com/office/drawing/2014/main" id="{154AE5B0-919C-4C2C-8D15-81216960C822}"/>
+                </a:ext>
+              </a:extLst>
+            </p:cNvPr>
+            <p:cNvCxnSpPr>
+              <a:cxnSpLocks/>
+              <a:stCxn id="9" idx="3"/>
+              <a:endCxn id="21" idx="1"/>
+            </p:cNvCxnSpPr>
+            <p:nvPr/>
+          </p:nvCxnSpPr>
+          <p:spPr>
+            <a:xfrm flipV="1">
+              <a:off x="5260549" y="5714997"/>
+              <a:ext cx="355391" cy="1"/>
+            </a:xfrm>
+            <a:prstGeom prst="straightConnector1">
+              <a:avLst/>
+            </a:prstGeom>
+            <a:ln>
+              <a:solidFill>
+                <a:schemeClr val="tx1"/>
+              </a:solidFill>
+              <a:tailEnd type="triangle"/>
+            </a:ln>
+          </p:spPr>
+          <p:style>
+            <a:lnRef idx="1">
+              <a:schemeClr val="accent1"/>
+            </a:lnRef>
+            <a:fillRef idx="0">
+              <a:schemeClr val="accent1"/>
+            </a:fillRef>
+            <a:effectRef idx="0">
+              <a:schemeClr val="accent1"/>
+            </a:effectRef>
+            <a:fontRef idx="minor">
+              <a:schemeClr val="tx1"/>
+            </a:fontRef>
+          </p:style>
+        </p:cxnSp>
+        <p:cxnSp>
+          <p:nvCxnSpPr>
+            <p:cNvPr id="25" name="直接箭头连接符 24">
+              <a:extLst>
+                <a:ext uri="{FF2B5EF4-FFF2-40B4-BE49-F238E27FC236}">
+                  <a16:creationId xmlns:a16="http://schemas.microsoft.com/office/drawing/2014/main" id="{F0C069DD-3AF4-49FF-B8D6-28613335FD40}"/>
+                </a:ext>
+              </a:extLst>
+            </p:cNvPr>
+            <p:cNvCxnSpPr>
+              <a:cxnSpLocks/>
+              <a:stCxn id="21" idx="3"/>
+              <a:endCxn id="16" idx="1"/>
+            </p:cNvCxnSpPr>
+            <p:nvPr/>
+          </p:nvCxnSpPr>
+          <p:spPr>
+            <a:xfrm>
+              <a:off x="6576060" y="5714997"/>
+              <a:ext cx="359963" cy="3"/>
+            </a:xfrm>
+            <a:prstGeom prst="straightConnector1">
+              <a:avLst/>
+            </a:prstGeom>
+            <a:ln>
+              <a:solidFill>
+                <a:schemeClr val="tx1"/>
+              </a:solidFill>
+              <a:tailEnd type="triangle"/>
+            </a:ln>
+          </p:spPr>
+          <p:style>
+            <a:lnRef idx="1">
+              <a:schemeClr val="accent1"/>
+            </a:lnRef>
+            <a:fillRef idx="0">
+              <a:schemeClr val="accent1"/>
+            </a:fillRef>
+            <a:effectRef idx="0">
+              <a:schemeClr val="accent1"/>
+            </a:effectRef>
+            <a:fontRef idx="minor">
+              <a:schemeClr val="tx1"/>
+            </a:fontRef>
+          </p:style>
+        </p:cxnSp>
+        <p:sp>
+          <p:nvSpPr>
+            <p:cNvPr id="26" name="矩形 25">
+              <a:extLst>
+                <a:ext uri="{FF2B5EF4-FFF2-40B4-BE49-F238E27FC236}">
+                  <a16:creationId xmlns:a16="http://schemas.microsoft.com/office/drawing/2014/main" id="{CA1F6CE1-ABEC-42C1-852D-5B109B18B6BD}"/>
+                </a:ext>
+              </a:extLst>
+            </p:cNvPr>
+            <p:cNvSpPr/>
+            <p:nvPr/>
+          </p:nvSpPr>
+          <p:spPr>
+            <a:xfrm>
+              <a:off x="542104" y="5346686"/>
+              <a:ext cx="960120" cy="736622"/>
+            </a:xfrm>
+            <a:prstGeom prst="rect">
+              <a:avLst/>
+            </a:prstGeom>
+            <a:solidFill>
+              <a:schemeClr val="bg1"/>
+            </a:solidFill>
+            <a:ln>
+              <a:solidFill>
+                <a:schemeClr val="tx1"/>
+              </a:solidFill>
+            </a:ln>
+          </p:spPr>
+          <p:style>
+            <a:lnRef idx="2">
+              <a:schemeClr val="accent1">
+                <a:shade val="50000"/>
+              </a:schemeClr>
+            </a:lnRef>
+            <a:fillRef idx="1">
+              <a:schemeClr val="accent1"/>
+            </a:fillRef>
+            <a:effectRef idx="0">
+              <a:schemeClr val="accent1"/>
+            </a:effectRef>
+            <a:fontRef idx="minor">
+              <a:schemeClr val="lt1"/>
+            </a:fontRef>
+          </p:style>
+          <p:txBody>
+            <a:bodyPr rtlCol="0" anchor="ctr"/>
+            <a:lstStyle/>
+            <a:p>
+              <a:pPr algn="ctr"/>
+              <a:r>
+                <a:rPr lang="zh-CN" altLang="en-US" dirty="0">
+                  <a:solidFill>
+                    <a:schemeClr val="tx1"/>
+                  </a:solidFill>
+                </a:rPr>
+                <a:t>原始信号</a:t>
+              </a:r>
+            </a:p>
+          </p:txBody>
+        </p:sp>
+        <p:cxnSp>
+          <p:nvCxnSpPr>
+            <p:cNvPr id="43" name="直接箭头连接符 42">
+              <a:extLst>
+                <a:ext uri="{FF2B5EF4-FFF2-40B4-BE49-F238E27FC236}">
+                  <a16:creationId xmlns:a16="http://schemas.microsoft.com/office/drawing/2014/main" id="{A88B541C-307D-45B7-AC92-EF7564B4BD1A}"/>
+                </a:ext>
+              </a:extLst>
+            </p:cNvPr>
+            <p:cNvCxnSpPr>
+              <a:stCxn id="26" idx="3"/>
+              <a:endCxn id="7" idx="1"/>
+            </p:cNvCxnSpPr>
+            <p:nvPr/>
+          </p:nvCxnSpPr>
+          <p:spPr>
+            <a:xfrm>
+              <a:off x="1502224" y="5714997"/>
+              <a:ext cx="360434" cy="1"/>
+            </a:xfrm>
+            <a:prstGeom prst="straightConnector1">
+              <a:avLst/>
+            </a:prstGeom>
+            <a:ln>
+              <a:solidFill>
+                <a:schemeClr val="tx1"/>
+              </a:solidFill>
+              <a:tailEnd type="triangle"/>
+            </a:ln>
+          </p:spPr>
+          <p:style>
+            <a:lnRef idx="1">
+              <a:schemeClr val="accent1"/>
+            </a:lnRef>
+            <a:fillRef idx="0">
+              <a:schemeClr val="accent1"/>
+            </a:fillRef>
+            <a:effectRef idx="0">
+              <a:schemeClr val="accent1"/>
+            </a:effectRef>
+            <a:fontRef idx="minor">
+              <a:schemeClr val="tx1"/>
+            </a:fontRef>
+          </p:style>
+        </p:cxnSp>
+        <p:sp>
+          <p:nvSpPr>
+            <p:cNvPr id="54" name="矩形 53">
+              <a:extLst>
+                <a:ext uri="{FF2B5EF4-FFF2-40B4-BE49-F238E27FC236}">
+                  <a16:creationId xmlns:a16="http://schemas.microsoft.com/office/drawing/2014/main" id="{610D456D-0747-481B-9458-2F95EBD60B03}"/>
+                </a:ext>
+              </a:extLst>
+            </p:cNvPr>
+            <p:cNvSpPr/>
+            <p:nvPr/>
+          </p:nvSpPr>
+          <p:spPr>
+            <a:xfrm>
+              <a:off x="10514296" y="5523186"/>
+              <a:ext cx="710300" cy="373414"/>
+            </a:xfrm>
+            <a:prstGeom prst="rect">
+              <a:avLst/>
+            </a:prstGeom>
+            <a:solidFill>
+              <a:schemeClr val="bg1"/>
+            </a:solidFill>
+            <a:ln>
+              <a:solidFill>
+                <a:schemeClr val="tx1"/>
+              </a:solidFill>
+            </a:ln>
+          </p:spPr>
+          <p:style>
+            <a:lnRef idx="2">
+              <a:schemeClr val="accent1">
+                <a:shade val="50000"/>
+              </a:schemeClr>
+            </a:lnRef>
+            <a:fillRef idx="1">
+              <a:schemeClr val="accent1"/>
+            </a:fillRef>
+            <a:effectRef idx="0">
+              <a:schemeClr val="accent1"/>
+            </a:effectRef>
+            <a:fontRef idx="minor">
+              <a:schemeClr val="lt1"/>
+            </a:fontRef>
+          </p:style>
+          <p:txBody>
+            <a:bodyPr rtlCol="0" anchor="ctr"/>
+            <a:lstStyle/>
+            <a:p>
+              <a:pPr algn="ctr"/>
+              <a:r>
+                <a:rPr lang="zh-CN" altLang="en-US" dirty="0">
+                  <a:solidFill>
+                    <a:schemeClr val="tx1"/>
+                  </a:solidFill>
+                </a:rPr>
+                <a:t>信息</a:t>
+              </a:r>
+            </a:p>
+          </p:txBody>
+        </p:sp>
+        <p:cxnSp>
+          <p:nvCxnSpPr>
+            <p:cNvPr id="56" name="直接箭头连接符 55">
+              <a:extLst>
+                <a:ext uri="{FF2B5EF4-FFF2-40B4-BE49-F238E27FC236}">
+                  <a16:creationId xmlns:a16="http://schemas.microsoft.com/office/drawing/2014/main" id="{9C997748-E54A-41E5-BB91-ED882C6D51B9}"/>
+                </a:ext>
+              </a:extLst>
+            </p:cNvPr>
+            <p:cNvCxnSpPr>
+              <a:stCxn id="18" idx="3"/>
+              <a:endCxn id="54" idx="1"/>
+            </p:cNvCxnSpPr>
+            <p:nvPr/>
+          </p:nvCxnSpPr>
+          <p:spPr>
+            <a:xfrm flipV="1">
+              <a:off x="10154333" y="5709893"/>
+              <a:ext cx="359963" cy="1"/>
+            </a:xfrm>
+            <a:prstGeom prst="straightConnector1">
+              <a:avLst/>
+            </a:prstGeom>
+            <a:ln>
+              <a:solidFill>
+                <a:schemeClr val="tx1"/>
+              </a:solidFill>
+              <a:tailEnd type="triangle"/>
+            </a:ln>
+          </p:spPr>
+          <p:style>
+            <a:lnRef idx="1">
+              <a:schemeClr val="accent1"/>
+            </a:lnRef>
+            <a:fillRef idx="0">
+              <a:schemeClr val="accent1"/>
+            </a:fillRef>
+            <a:effectRef idx="0">
+              <a:schemeClr val="accent1"/>
+            </a:effectRef>
+            <a:fontRef idx="minor">
+              <a:schemeClr val="tx1"/>
+            </a:fontRef>
+          </p:style>
+        </p:cxnSp>
+        <p:sp>
+          <p:nvSpPr>
+            <p:cNvPr id="57" name="矩形 56">
+              <a:extLst>
+                <a:ext uri="{FF2B5EF4-FFF2-40B4-BE49-F238E27FC236}">
+                  <a16:creationId xmlns:a16="http://schemas.microsoft.com/office/drawing/2014/main" id="{D9E1E211-1BD0-46FC-BA7F-4B8C38AC5C65}"/>
+                </a:ext>
+              </a:extLst>
+            </p:cNvPr>
+            <p:cNvSpPr/>
+            <p:nvPr/>
+          </p:nvSpPr>
+          <p:spPr>
+            <a:xfrm>
+              <a:off x="2401912" y="4818815"/>
+              <a:ext cx="710300" cy="373414"/>
+            </a:xfrm>
+            <a:prstGeom prst="rect">
+              <a:avLst/>
+            </a:prstGeom>
+            <a:solidFill>
+              <a:schemeClr val="bg1"/>
+            </a:solidFill>
+            <a:ln>
+              <a:solidFill>
+                <a:schemeClr val="tx1"/>
+              </a:solidFill>
+            </a:ln>
+          </p:spPr>
+          <p:style>
+            <a:lnRef idx="2">
+              <a:schemeClr val="accent1">
+                <a:shade val="50000"/>
+              </a:schemeClr>
+            </a:lnRef>
+            <a:fillRef idx="1">
+              <a:schemeClr val="accent1"/>
+            </a:fillRef>
+            <a:effectRef idx="0">
+              <a:schemeClr val="accent1"/>
+            </a:effectRef>
+            <a:fontRef idx="minor">
+              <a:schemeClr val="lt1"/>
+            </a:fontRef>
+          </p:style>
+          <p:txBody>
+            <a:bodyPr rtlCol="0" anchor="ctr"/>
+            <a:lstStyle/>
+            <a:p>
+              <a:pPr algn="ctr"/>
+              <a:r>
+                <a:rPr lang="zh-CN" altLang="en-US" dirty="0">
+                  <a:solidFill>
+                    <a:schemeClr val="tx1"/>
+                  </a:solidFill>
+                </a:rPr>
+                <a:t>信息</a:t>
+              </a:r>
+            </a:p>
+          </p:txBody>
+        </p:sp>
+        <p:cxnSp>
+          <p:nvCxnSpPr>
+            <p:cNvPr id="59" name="直接箭头连接符 58">
+              <a:extLst>
+                <a:ext uri="{FF2B5EF4-FFF2-40B4-BE49-F238E27FC236}">
+                  <a16:creationId xmlns:a16="http://schemas.microsoft.com/office/drawing/2014/main" id="{B67C5B42-5234-4A18-8D38-C558DC9F1CFC}"/>
+                </a:ext>
+              </a:extLst>
+            </p:cNvPr>
+            <p:cNvCxnSpPr>
+              <a:stCxn id="57" idx="2"/>
+            </p:cNvCxnSpPr>
+            <p:nvPr/>
+          </p:nvCxnSpPr>
+          <p:spPr>
+            <a:xfrm>
+              <a:off x="2757062" y="5192229"/>
+              <a:ext cx="0" cy="517664"/>
+            </a:xfrm>
+            <a:prstGeom prst="straightConnector1">
+              <a:avLst/>
+            </a:prstGeom>
+            <a:ln>
+              <a:solidFill>
+                <a:schemeClr val="tx1"/>
+              </a:solidFill>
+              <a:tailEnd type="triangle"/>
+            </a:ln>
+          </p:spPr>
+          <p:style>
+            <a:lnRef idx="1">
+              <a:schemeClr val="accent1"/>
+            </a:lnRef>
+            <a:fillRef idx="0">
+              <a:schemeClr val="accent1"/>
+            </a:fillRef>
+            <a:effectRef idx="0">
+              <a:schemeClr val="accent1"/>
+            </a:effectRef>
+            <a:fontRef idx="minor">
+              <a:schemeClr val="tx1"/>
+            </a:fontRef>
+          </p:style>
+        </p:cxnSp>
+        <p:sp>
+          <p:nvSpPr>
+            <p:cNvPr id="60" name="矩形 59">
+              <a:extLst>
+                <a:ext uri="{FF2B5EF4-FFF2-40B4-BE49-F238E27FC236}">
+                  <a16:creationId xmlns:a16="http://schemas.microsoft.com/office/drawing/2014/main" id="{C9E3C77B-4A65-4A18-AE2E-A6FDF71B8100}"/>
+                </a:ext>
+              </a:extLst>
+            </p:cNvPr>
+            <p:cNvSpPr/>
+            <p:nvPr/>
+          </p:nvSpPr>
+          <p:spPr>
+            <a:xfrm>
+              <a:off x="5489387" y="4818815"/>
+              <a:ext cx="1213226" cy="387569"/>
+            </a:xfrm>
+            <a:prstGeom prst="rect">
+              <a:avLst/>
+            </a:prstGeom>
+            <a:solidFill>
+              <a:schemeClr val="bg1"/>
+            </a:solidFill>
+            <a:ln>
+              <a:solidFill>
+                <a:schemeClr val="tx1"/>
+              </a:solidFill>
+            </a:ln>
+          </p:spPr>
+          <p:style>
+            <a:lnRef idx="2">
+              <a:schemeClr val="accent1">
+                <a:shade val="50000"/>
+              </a:schemeClr>
+            </a:lnRef>
+            <a:fillRef idx="1">
+              <a:schemeClr val="accent1"/>
+            </a:fillRef>
+            <a:effectRef idx="0">
+              <a:schemeClr val="accent1"/>
+            </a:effectRef>
+            <a:fontRef idx="minor">
+              <a:schemeClr val="lt1"/>
+            </a:fontRef>
+          </p:style>
+          <p:txBody>
+            <a:bodyPr rtlCol="0" anchor="ctr"/>
+            <a:lstStyle/>
+            <a:p>
+              <a:pPr algn="ctr"/>
+              <a:r>
+                <a:rPr lang="zh-CN" altLang="en-US" dirty="0">
+                  <a:solidFill>
+                    <a:schemeClr val="tx1"/>
+                  </a:solidFill>
+                </a:rPr>
+                <a:t>某种算法</a:t>
+              </a:r>
+            </a:p>
+          </p:txBody>
+        </p:sp>
+        <p:cxnSp>
+          <p:nvCxnSpPr>
+            <p:cNvPr id="62" name="连接符: 肘形 61">
+              <a:extLst>
+                <a:ext uri="{FF2B5EF4-FFF2-40B4-BE49-F238E27FC236}">
+                  <a16:creationId xmlns:a16="http://schemas.microsoft.com/office/drawing/2014/main" id="{4C5A8B4E-F6E8-43D1-B637-F973E7595E88}"/>
+                </a:ext>
+              </a:extLst>
+            </p:cNvPr>
+            <p:cNvCxnSpPr>
+              <a:stCxn id="60" idx="1"/>
+              <a:endCxn id="8" idx="0"/>
+            </p:cNvCxnSpPr>
+            <p:nvPr/>
+          </p:nvCxnSpPr>
+          <p:spPr>
+            <a:xfrm rot="10800000" flipV="1">
+              <a:off x="3544881" y="5012600"/>
+              <a:ext cx="1944507" cy="486986"/>
+            </a:xfrm>
+            <a:prstGeom prst="bentConnector2">
+              <a:avLst/>
+            </a:prstGeom>
+            <a:ln>
+              <a:solidFill>
+                <a:schemeClr val="tx1"/>
+              </a:solidFill>
+              <a:tailEnd type="triangle"/>
+            </a:ln>
+          </p:spPr>
+          <p:style>
+            <a:lnRef idx="1">
+              <a:schemeClr val="accent1"/>
+            </a:lnRef>
+            <a:fillRef idx="0">
+              <a:schemeClr val="accent1"/>
+            </a:fillRef>
+            <a:effectRef idx="0">
+              <a:schemeClr val="accent1"/>
+            </a:effectRef>
+            <a:fontRef idx="minor">
+              <a:schemeClr val="tx1"/>
+            </a:fontRef>
+          </p:style>
+        </p:cxnSp>
+        <p:cxnSp>
+          <p:nvCxnSpPr>
+            <p:cNvPr id="64" name="连接符: 肘形 63">
+              <a:extLst>
+                <a:ext uri="{FF2B5EF4-FFF2-40B4-BE49-F238E27FC236}">
+                  <a16:creationId xmlns:a16="http://schemas.microsoft.com/office/drawing/2014/main" id="{B189DA30-8FF4-4126-BB54-9986BC531E91}"/>
+                </a:ext>
+              </a:extLst>
+            </p:cNvPr>
+            <p:cNvCxnSpPr>
+              <a:stCxn id="60" idx="3"/>
+              <a:endCxn id="17" idx="0"/>
+            </p:cNvCxnSpPr>
+            <p:nvPr/>
+          </p:nvCxnSpPr>
+          <p:spPr>
+            <a:xfrm>
+              <a:off x="6702613" y="5012600"/>
+              <a:ext cx="1810208" cy="486985"/>
+            </a:xfrm>
+            <a:prstGeom prst="bentConnector2">
+              <a:avLst/>
+            </a:prstGeom>
+            <a:ln>
+              <a:solidFill>
+                <a:schemeClr val="tx1"/>
+              </a:solidFill>
+              <a:tailEnd type="triangle"/>
+            </a:ln>
+          </p:spPr>
+          <p:style>
+            <a:lnRef idx="1">
+              <a:schemeClr val="accent1"/>
+            </a:lnRef>
+            <a:fillRef idx="0">
+              <a:schemeClr val="accent1"/>
+            </a:fillRef>
+            <a:effectRef idx="0">
+              <a:schemeClr val="accent1"/>
+            </a:effectRef>
+            <a:fontRef idx="minor">
+              <a:schemeClr val="tx1"/>
+            </a:fontRef>
+          </p:style>
+        </p:cxnSp>
+      </p:grpSp>
+    </p:spTree>
+    <p:extLst>
+      <p:ext uri="{BB962C8B-B14F-4D97-AF65-F5344CB8AC3E}">
+        <p14:creationId xmlns:p14="http://schemas.microsoft.com/office/powerpoint/2010/main" val="3231697430"/>
+      </p:ext>
+    </p:extLst>
+  </p:cSld>
+  <p:clrMapOvr>
+    <a:masterClrMapping/>
+  </p:clrMapOvr>
+  <p:timing>
+    <p:tnLst>
+      <p:par>
+        <p:cTn id="1" dur="indefinite" restart="never" nodeType="tmRoot">
+          <p:childTnLst>
+            <p:seq concurrent="1" nextAc="seek">
+              <p:cTn id="2" dur="indefinite" nodeType="mainSeq">
+                <p:childTnLst>
+                  <p:par>
+                    <p:cTn id="3" fill="hold">
+                      <p:stCondLst>
+                        <p:cond delay="indefinite"/>
+                      </p:stCondLst>
+                      <p:childTnLst>
+                        <p:par>
+                          <p:cTn id="4" fill="hold">
+                            <p:stCondLst>
+                              <p:cond delay="0"/>
+                            </p:stCondLst>
+                            <p:childTnLst>
+                              <p:par>
+                                <p:cTn id="5" presetID="10" presetClass="entr" presetSubtype="0" fill="hold" nodeType="clickEffect">
+                                  <p:stCondLst>
+                                    <p:cond delay="0"/>
+                                  </p:stCondLst>
+                                  <p:childTnLst>
+                                    <p:set>
+                                      <p:cBhvr>
+                                        <p:cTn id="6" dur="1" fill="hold">
+                                          <p:stCondLst>
+                                            <p:cond delay="0"/>
+                                          </p:stCondLst>
+                                        </p:cTn>
+                                        <p:tgtEl>
+                                          <p:spTgt spid="65"/>
+                                        </p:tgtEl>
+                                        <p:attrNameLst>
+                                          <p:attrName>style.visibility</p:attrName>
+                                        </p:attrNameLst>
+                                      </p:cBhvr>
+                                      <p:to>
+                                        <p:strVal val="visible"/>
+                                      </p:to>
+                                    </p:set>
+                                    <p:animEffect transition="in" filter="fade">
+                                      <p:cBhvr>
+                                        <p:cTn id="7" dur="500"/>
+                                        <p:tgtEl>
+                                          <p:spTgt spid="65"/>
+                                        </p:tgtEl>
+                                      </p:cBhvr>
+                                    </p:animEffect>
+                                  </p:childTnLst>
+                                </p:cTn>
+                              </p:par>
+                            </p:childTnLst>
+                          </p:cTn>
+                        </p:par>
+                      </p:childTnLst>
+                    </p:cTn>
+                  </p:par>
+                </p:childTnLst>
+              </p:cTn>
+              <p:prevCondLst>
+                <p:cond evt="onPrev" delay="0">
+                  <p:tgtEl>
+                    <p:sldTgt/>
+                  </p:tgtEl>
+                </p:cond>
+              </p:prevCondLst>
+              <p:nextCondLst>
+                <p:cond evt="onNext" delay="0">
+                  <p:tgtEl>
+                    <p:sldTgt/>
+                  </p:tgtEl>
+                </p:cond>
+              </p:nextCondLst>
+            </p:seq>
+          </p:childTnLst>
+        </p:cTn>
+      </p:par>
+    </p:tnLst>
+  </p:timing>
 </p:sld>
 </file>
 
